--- a/Unemployment Analysis Presentation - Group 2.pptx
+++ b/Unemployment Analysis Presentation - Group 2.pptx
@@ -5,7 +5,7 @@
     <p:sldMasterId id="2147483660" r:id="rId1"/>
   </p:sldMasterIdLst>
   <p:notesMasterIdLst>
-    <p:notesMasterId r:id="rId16"/>
+    <p:notesMasterId r:id="rId26"/>
   </p:notesMasterIdLst>
   <p:sldIdLst>
     <p:sldId id="256" r:id="rId2"/>
@@ -20,8 +20,18 @@
     <p:sldId id="267" r:id="rId11"/>
     <p:sldId id="268" r:id="rId12"/>
     <p:sldId id="269" r:id="rId13"/>
-    <p:sldId id="264" r:id="rId14"/>
-    <p:sldId id="265" r:id="rId15"/>
+    <p:sldId id="270" r:id="rId14"/>
+    <p:sldId id="271" r:id="rId15"/>
+    <p:sldId id="274" r:id="rId16"/>
+    <p:sldId id="273" r:id="rId17"/>
+    <p:sldId id="275" r:id="rId18"/>
+    <p:sldId id="276" r:id="rId19"/>
+    <p:sldId id="277" r:id="rId20"/>
+    <p:sldId id="264" r:id="rId21"/>
+    <p:sldId id="265" r:id="rId22"/>
+    <p:sldId id="279" r:id="rId23"/>
+    <p:sldId id="280" r:id="rId24"/>
+    <p:sldId id="281" r:id="rId25"/>
   </p:sldIdLst>
   <p:sldSz cx="12192000" cy="6858000"/>
   <p:notesSz cx="6858000" cy="9144000"/>
@@ -3584,6 +3594,174 @@
 </p:notes>
 </file>
 
+<file path=ppt/notesSlides/notesSlide2.xml><?xml version="1.0" encoding="utf-8"?>
+<p:notes xmlns:a="http://schemas.openxmlformats.org/drawingml/2006/main" xmlns:r="http://schemas.openxmlformats.org/officeDocument/2006/relationships" xmlns:p="http://schemas.openxmlformats.org/presentationml/2006/main">
+  <p:cSld>
+    <p:spTree>
+      <p:nvGrpSpPr>
+        <p:cNvPr id="1" name=""/>
+        <p:cNvGrpSpPr/>
+        <p:nvPr/>
+      </p:nvGrpSpPr>
+      <p:grpSpPr>
+        <a:xfrm>
+          <a:off x="0" y="0"/>
+          <a:ext cx="0" cy="0"/>
+          <a:chOff x="0" y="0"/>
+          <a:chExt cx="0" cy="0"/>
+        </a:xfrm>
+      </p:grpSpPr>
+      <p:sp>
+        <p:nvSpPr>
+          <p:cNvPr id="2" name="Slide Image Placeholder 1"/>
+          <p:cNvSpPr>
+            <a:spLocks noGrp="1" noRot="1" noChangeAspect="1"/>
+          </p:cNvSpPr>
+          <p:nvPr>
+            <p:ph type="sldImg"/>
+          </p:nvPr>
+        </p:nvSpPr>
+        <p:spPr/>
+      </p:sp>
+      <p:sp>
+        <p:nvSpPr>
+          <p:cNvPr id="3" name="Notes Placeholder 2"/>
+          <p:cNvSpPr>
+            <a:spLocks noGrp="1"/>
+          </p:cNvSpPr>
+          <p:nvPr>
+            <p:ph type="body" idx="1"/>
+          </p:nvPr>
+        </p:nvSpPr>
+        <p:spPr/>
+        <p:txBody>
+          <a:bodyPr/>
+          <a:lstStyle/>
+          <a:p>
+            <a:endParaRPr lang="en-US" dirty="0"/>
+          </a:p>
+        </p:txBody>
+      </p:sp>
+      <p:sp>
+        <p:nvSpPr>
+          <p:cNvPr id="4" name="Slide Number Placeholder 3"/>
+          <p:cNvSpPr>
+            <a:spLocks noGrp="1"/>
+          </p:cNvSpPr>
+          <p:nvPr>
+            <p:ph type="sldNum" sz="quarter" idx="5"/>
+          </p:nvPr>
+        </p:nvSpPr>
+        <p:spPr/>
+        <p:txBody>
+          <a:bodyPr/>
+          <a:lstStyle/>
+          <a:p>
+            <a:fld id="{621E9EE9-3A4D-DB43-8F8A-DEE4BB12CBD7}" type="slidenum">
+              <a:rPr lang="en-US" smtClean="0"/>
+              <a:t>14</a:t>
+            </a:fld>
+            <a:endParaRPr lang="en-US"/>
+          </a:p>
+        </p:txBody>
+      </p:sp>
+    </p:spTree>
+    <p:extLst>
+      <p:ext uri="{BB962C8B-B14F-4D97-AF65-F5344CB8AC3E}">
+        <p14:creationId xmlns:p14="http://schemas.microsoft.com/office/powerpoint/2010/main" val="2904735542"/>
+      </p:ext>
+    </p:extLst>
+  </p:cSld>
+  <p:clrMapOvr>
+    <a:masterClrMapping/>
+  </p:clrMapOvr>
+</p:notes>
+</file>
+
+<file path=ppt/notesSlides/notesSlide3.xml><?xml version="1.0" encoding="utf-8"?>
+<p:notes xmlns:a="http://schemas.openxmlformats.org/drawingml/2006/main" xmlns:r="http://schemas.openxmlformats.org/officeDocument/2006/relationships" xmlns:p="http://schemas.openxmlformats.org/presentationml/2006/main">
+  <p:cSld>
+    <p:spTree>
+      <p:nvGrpSpPr>
+        <p:cNvPr id="1" name=""/>
+        <p:cNvGrpSpPr/>
+        <p:nvPr/>
+      </p:nvGrpSpPr>
+      <p:grpSpPr>
+        <a:xfrm>
+          <a:off x="0" y="0"/>
+          <a:ext cx="0" cy="0"/>
+          <a:chOff x="0" y="0"/>
+          <a:chExt cx="0" cy="0"/>
+        </a:xfrm>
+      </p:grpSpPr>
+      <p:sp>
+        <p:nvSpPr>
+          <p:cNvPr id="2" name="Slide Image Placeholder 1"/>
+          <p:cNvSpPr>
+            <a:spLocks noGrp="1" noRot="1" noChangeAspect="1"/>
+          </p:cNvSpPr>
+          <p:nvPr>
+            <p:ph type="sldImg"/>
+          </p:nvPr>
+        </p:nvSpPr>
+        <p:spPr/>
+      </p:sp>
+      <p:sp>
+        <p:nvSpPr>
+          <p:cNvPr id="3" name="Notes Placeholder 2"/>
+          <p:cNvSpPr>
+            <a:spLocks noGrp="1"/>
+          </p:cNvSpPr>
+          <p:nvPr>
+            <p:ph type="body" idx="1"/>
+          </p:nvPr>
+        </p:nvSpPr>
+        <p:spPr/>
+        <p:txBody>
+          <a:bodyPr/>
+          <a:lstStyle/>
+          <a:p>
+            <a:endParaRPr lang="en-US" dirty="0"/>
+          </a:p>
+        </p:txBody>
+      </p:sp>
+      <p:sp>
+        <p:nvSpPr>
+          <p:cNvPr id="4" name="Slide Number Placeholder 3"/>
+          <p:cNvSpPr>
+            <a:spLocks noGrp="1"/>
+          </p:cNvSpPr>
+          <p:nvPr>
+            <p:ph type="sldNum" sz="quarter" idx="5"/>
+          </p:nvPr>
+        </p:nvSpPr>
+        <p:spPr/>
+        <p:txBody>
+          <a:bodyPr/>
+          <a:lstStyle/>
+          <a:p>
+            <a:fld id="{621E9EE9-3A4D-DB43-8F8A-DEE4BB12CBD7}" type="slidenum">
+              <a:rPr lang="en-US" smtClean="0"/>
+              <a:t>15</a:t>
+            </a:fld>
+            <a:endParaRPr lang="en-US"/>
+          </a:p>
+        </p:txBody>
+      </p:sp>
+    </p:spTree>
+    <p:extLst>
+      <p:ext uri="{BB962C8B-B14F-4D97-AF65-F5344CB8AC3E}">
+        <p14:creationId xmlns:p14="http://schemas.microsoft.com/office/powerpoint/2010/main" val="426618689"/>
+      </p:ext>
+    </p:extLst>
+  </p:cSld>
+  <p:clrMapOvr>
+    <a:masterClrMapping/>
+  </p:clrMapOvr>
+</p:notes>
+</file>
+
 <file path=ppt/slideLayouts/slideLayout1.xml><?xml version="1.0" encoding="utf-8"?>
 <p:sldLayout xmlns:a="http://schemas.openxmlformats.org/drawingml/2006/main" xmlns:r="http://schemas.openxmlformats.org/officeDocument/2006/relationships" xmlns:p="http://schemas.openxmlformats.org/presentationml/2006/main" type="title" preserve="1">
   <p:cSld name="Title Slide">
@@ -22500,7 +22678,7 @@
           <p:cNvPr id="2" name="Title 1">
             <a:extLst>
               <a:ext uri="{FF2B5EF4-FFF2-40B4-BE49-F238E27FC236}">
-                <a16:creationId xmlns:a16="http://schemas.microsoft.com/office/drawing/2014/main" id="{79CDC5FE-7BC7-C6D5-DDFA-59FDB10A435D}"/>
+                <a16:creationId xmlns:a16="http://schemas.microsoft.com/office/drawing/2014/main" id="{81D4C507-C3F2-C4E4-2BB5-A63A98B13531}"/>
               </a:ext>
             </a:extLst>
           </p:cNvPr>
@@ -22516,7 +22694,10 @@
           <a:bodyPr/>
           <a:lstStyle/>
           <a:p>
-            <a:endParaRPr lang="en-US"/>
+            <a:r>
+              <a:rPr lang="en-US" dirty="0"/>
+              <a:t>Public Transit Revenue vs Unemployment Rate </a:t>
+            </a:r>
           </a:p>
         </p:txBody>
       </p:sp>
@@ -22525,7 +22706,7 @@
           <p:cNvPr id="3" name="Text Placeholder 2">
             <a:extLst>
               <a:ext uri="{FF2B5EF4-FFF2-40B4-BE49-F238E27FC236}">
-                <a16:creationId xmlns:a16="http://schemas.microsoft.com/office/drawing/2014/main" id="{B7747181-A139-4232-D7F0-39E20EF7A87A}"/>
+                <a16:creationId xmlns:a16="http://schemas.microsoft.com/office/drawing/2014/main" id="{6982CF2B-A68F-CAC7-F3B4-7FB15F28A76D}"/>
               </a:ext>
             </a:extLst>
           </p:cNvPr>
@@ -22541,14 +22722,17 @@
           <a:bodyPr/>
           <a:lstStyle/>
           <a:p>
-            <a:endParaRPr lang="en-US"/>
+            <a:r>
+              <a:rPr lang="en-US" dirty="0"/>
+              <a:t>Do unemployment rates affect public transit revenue in Canada?</a:t>
+            </a:r>
           </a:p>
         </p:txBody>
       </p:sp>
     </p:spTree>
     <p:extLst>
       <p:ext uri="{BB962C8B-B14F-4D97-AF65-F5344CB8AC3E}">
-        <p14:creationId xmlns:p14="http://schemas.microsoft.com/office/powerpoint/2010/main" val="904522036"/>
+        <p14:creationId xmlns:p14="http://schemas.microsoft.com/office/powerpoint/2010/main" val="4099850143"/>
       </p:ext>
     </p:extLst>
   </p:cSld>
@@ -22580,7 +22764,229 @@
           <p:cNvPr id="2" name="Title 1">
             <a:extLst>
               <a:ext uri="{FF2B5EF4-FFF2-40B4-BE49-F238E27FC236}">
-                <a16:creationId xmlns:a16="http://schemas.microsoft.com/office/drawing/2014/main" id="{495A21F7-3D5A-9360-D1D5-D652BDE9B45B}"/>
+                <a16:creationId xmlns:a16="http://schemas.microsoft.com/office/drawing/2014/main" id="{AB6A361E-7EC0-2003-7270-B543D6441A47}"/>
+              </a:ext>
+            </a:extLst>
+          </p:cNvPr>
+          <p:cNvSpPr>
+            <a:spLocks noGrp="1"/>
+          </p:cNvSpPr>
+          <p:nvPr>
+            <p:ph type="title"/>
+          </p:nvPr>
+        </p:nvSpPr>
+        <p:spPr>
+          <a:xfrm>
+            <a:off x="931349" y="332656"/>
+            <a:ext cx="3498979" cy="317965"/>
+          </a:xfrm>
+        </p:spPr>
+        <p:txBody>
+          <a:bodyPr>
+            <a:normAutofit fontScale="90000"/>
+          </a:bodyPr>
+          <a:lstStyle/>
+          <a:p>
+            <a:pPr algn="l"/>
+            <a:r>
+              <a:rPr lang="en-US" dirty="0"/>
+              <a:t>Data preparation</a:t>
+            </a:r>
+          </a:p>
+        </p:txBody>
+      </p:sp>
+      <p:pic>
+        <p:nvPicPr>
+          <p:cNvPr id="5" name="Picture 4" descr="A screenshot of a computer&#10;&#10;Description automatically generated">
+            <a:extLst>
+              <a:ext uri="{FF2B5EF4-FFF2-40B4-BE49-F238E27FC236}">
+                <a16:creationId xmlns:a16="http://schemas.microsoft.com/office/drawing/2014/main" id="{CF6BF9A5-21B9-1BC5-B0BB-BF2AE1C10A66}"/>
+              </a:ext>
+            </a:extLst>
+          </p:cNvPr>
+          <p:cNvPicPr>
+            <a:picLocks noChangeAspect="1"/>
+          </p:cNvPicPr>
+          <p:nvPr/>
+        </p:nvPicPr>
+        <p:blipFill>
+          <a:blip r:embed="rId3"/>
+          <a:stretch>
+            <a:fillRect/>
+          </a:stretch>
+        </p:blipFill>
+        <p:spPr>
+          <a:xfrm>
+            <a:off x="492286" y="1916832"/>
+            <a:ext cx="11207429" cy="3024336"/>
+          </a:xfrm>
+          <a:prstGeom prst="rect">
+            <a:avLst/>
+          </a:prstGeom>
+        </p:spPr>
+      </p:pic>
+    </p:spTree>
+    <p:extLst>
+      <p:ext uri="{BB962C8B-B14F-4D97-AF65-F5344CB8AC3E}">
+        <p14:creationId xmlns:p14="http://schemas.microsoft.com/office/powerpoint/2010/main" val="1748096793"/>
+      </p:ext>
+    </p:extLst>
+  </p:cSld>
+  <p:clrMapOvr>
+    <a:masterClrMapping/>
+  </p:clrMapOvr>
+</p:sld>
+</file>
+
+<file path=ppt/slides/slide15.xml><?xml version="1.0" encoding="utf-8"?>
+<p:sld xmlns:a="http://schemas.openxmlformats.org/drawingml/2006/main" xmlns:r="http://schemas.openxmlformats.org/officeDocument/2006/relationships" xmlns:p="http://schemas.openxmlformats.org/presentationml/2006/main">
+  <p:cSld>
+    <p:spTree>
+      <p:nvGrpSpPr>
+        <p:cNvPr id="1" name=""/>
+        <p:cNvGrpSpPr/>
+        <p:nvPr/>
+      </p:nvGrpSpPr>
+      <p:grpSpPr>
+        <a:xfrm>
+          <a:off x="0" y="0"/>
+          <a:ext cx="0" cy="0"/>
+          <a:chOff x="0" y="0"/>
+          <a:chExt cx="0" cy="0"/>
+        </a:xfrm>
+      </p:grpSpPr>
+      <p:sp>
+        <p:nvSpPr>
+          <p:cNvPr id="2" name="Title 1">
+            <a:extLst>
+              <a:ext uri="{FF2B5EF4-FFF2-40B4-BE49-F238E27FC236}">
+                <a16:creationId xmlns:a16="http://schemas.microsoft.com/office/drawing/2014/main" id="{AB6A361E-7EC0-2003-7270-B543D6441A47}"/>
+              </a:ext>
+            </a:extLst>
+          </p:cNvPr>
+          <p:cNvSpPr>
+            <a:spLocks noGrp="1"/>
+          </p:cNvSpPr>
+          <p:nvPr>
+            <p:ph type="title"/>
+          </p:nvPr>
+        </p:nvSpPr>
+        <p:spPr>
+          <a:xfrm>
+            <a:off x="931349" y="332656"/>
+            <a:ext cx="3498979" cy="317965"/>
+          </a:xfrm>
+        </p:spPr>
+        <p:txBody>
+          <a:bodyPr>
+            <a:normAutofit fontScale="90000"/>
+          </a:bodyPr>
+          <a:lstStyle/>
+          <a:p>
+            <a:pPr algn="l"/>
+            <a:r>
+              <a:rPr lang="en-US" dirty="0"/>
+              <a:t>Data preparation</a:t>
+            </a:r>
+          </a:p>
+        </p:txBody>
+      </p:sp>
+      <p:pic>
+        <p:nvPicPr>
+          <p:cNvPr id="8" name="Picture 7" descr="A screenshot of a computer&#10;&#10;Description automatically generated">
+            <a:extLst>
+              <a:ext uri="{FF2B5EF4-FFF2-40B4-BE49-F238E27FC236}">
+                <a16:creationId xmlns:a16="http://schemas.microsoft.com/office/drawing/2014/main" id="{2BC20708-F83D-C011-6B25-3536E600A9FF}"/>
+              </a:ext>
+            </a:extLst>
+          </p:cNvPr>
+          <p:cNvPicPr>
+            <a:picLocks noChangeAspect="1"/>
+          </p:cNvPicPr>
+          <p:nvPr/>
+        </p:nvPicPr>
+        <p:blipFill>
+          <a:blip r:embed="rId3"/>
+          <a:stretch>
+            <a:fillRect/>
+          </a:stretch>
+        </p:blipFill>
+        <p:spPr>
+          <a:xfrm>
+            <a:off x="492286" y="1124744"/>
+            <a:ext cx="11207429" cy="3005690"/>
+          </a:xfrm>
+          <a:prstGeom prst="rect">
+            <a:avLst/>
+          </a:prstGeom>
+        </p:spPr>
+      </p:pic>
+      <p:pic>
+        <p:nvPicPr>
+          <p:cNvPr id="3" name="Picture 2" descr="A screenshot of a computer&#10;&#10;Description automatically generated">
+            <a:extLst>
+              <a:ext uri="{FF2B5EF4-FFF2-40B4-BE49-F238E27FC236}">
+                <a16:creationId xmlns:a16="http://schemas.microsoft.com/office/drawing/2014/main" id="{CB992AC0-E73E-EBEF-BD6B-C915B66EC46E}"/>
+              </a:ext>
+            </a:extLst>
+          </p:cNvPr>
+          <p:cNvPicPr>
+            <a:picLocks noChangeAspect="1"/>
+          </p:cNvPicPr>
+          <p:nvPr/>
+        </p:nvPicPr>
+        <p:blipFill>
+          <a:blip r:embed="rId4"/>
+          <a:stretch>
+            <a:fillRect/>
+          </a:stretch>
+        </p:blipFill>
+        <p:spPr>
+          <a:xfrm>
+            <a:off x="492285" y="4653136"/>
+            <a:ext cx="11250433" cy="1700808"/>
+          </a:xfrm>
+          <a:prstGeom prst="rect">
+            <a:avLst/>
+          </a:prstGeom>
+        </p:spPr>
+      </p:pic>
+    </p:spTree>
+    <p:extLst>
+      <p:ext uri="{BB962C8B-B14F-4D97-AF65-F5344CB8AC3E}">
+        <p14:creationId xmlns:p14="http://schemas.microsoft.com/office/powerpoint/2010/main" val="51708522"/>
+      </p:ext>
+    </p:extLst>
+  </p:cSld>
+  <p:clrMapOvr>
+    <a:masterClrMapping/>
+  </p:clrMapOvr>
+</p:sld>
+</file>
+
+<file path=ppt/slides/slide16.xml><?xml version="1.0" encoding="utf-8"?>
+<p:sld xmlns:a="http://schemas.openxmlformats.org/drawingml/2006/main" xmlns:r="http://schemas.openxmlformats.org/officeDocument/2006/relationships" xmlns:p="http://schemas.openxmlformats.org/presentationml/2006/main">
+  <p:cSld>
+    <p:spTree>
+      <p:nvGrpSpPr>
+        <p:cNvPr id="1" name=""/>
+        <p:cNvGrpSpPr/>
+        <p:nvPr/>
+      </p:nvGrpSpPr>
+      <p:grpSpPr>
+        <a:xfrm>
+          <a:off x="0" y="0"/>
+          <a:ext cx="0" cy="0"/>
+          <a:chOff x="0" y="0"/>
+          <a:chExt cx="0" cy="0"/>
+        </a:xfrm>
+      </p:grpSpPr>
+      <p:sp>
+        <p:nvSpPr>
+          <p:cNvPr id="2" name="Title 1">
+            <a:extLst>
+              <a:ext uri="{FF2B5EF4-FFF2-40B4-BE49-F238E27FC236}">
+                <a16:creationId xmlns:a16="http://schemas.microsoft.com/office/drawing/2014/main" id="{4C8FA851-8DF2-41AF-D8A6-4FDEB6CDCFA4}"/>
               </a:ext>
             </a:extLst>
           </p:cNvPr>
@@ -22598,14 +23004,314 @@
           </a:bodyPr>
           <a:lstStyle/>
           <a:p>
-            <a:endParaRPr lang="en-US"/>
+            <a:pPr algn="l"/>
+            <a:r>
+              <a:rPr lang="en-US" dirty="0"/>
+              <a:t>Analysis</a:t>
+            </a:r>
+          </a:p>
+        </p:txBody>
+      </p:sp>
+      <p:pic>
+        <p:nvPicPr>
+          <p:cNvPr id="3" name="Picture 2">
+            <a:extLst>
+              <a:ext uri="{FF2B5EF4-FFF2-40B4-BE49-F238E27FC236}">
+                <a16:creationId xmlns:a16="http://schemas.microsoft.com/office/drawing/2014/main" id="{75F7646A-635E-AA24-1459-BA51806731A6}"/>
+              </a:ext>
+            </a:extLst>
+          </p:cNvPr>
+          <p:cNvPicPr>
+            <a:picLocks noChangeAspect="1"/>
+          </p:cNvPicPr>
+          <p:nvPr/>
+        </p:nvPicPr>
+        <p:blipFill>
+          <a:blip r:embed="rId2"/>
+          <a:stretch>
+            <a:fillRect/>
+          </a:stretch>
+        </p:blipFill>
+        <p:spPr>
+          <a:xfrm>
+            <a:off x="2222868" y="836712"/>
+            <a:ext cx="7498982" cy="5949280"/>
+          </a:xfrm>
+          <a:prstGeom prst="rect">
+            <a:avLst/>
+          </a:prstGeom>
+        </p:spPr>
+      </p:pic>
+    </p:spTree>
+    <p:extLst>
+      <p:ext uri="{BB962C8B-B14F-4D97-AF65-F5344CB8AC3E}">
+        <p14:creationId xmlns:p14="http://schemas.microsoft.com/office/powerpoint/2010/main" val="2126040299"/>
+      </p:ext>
+    </p:extLst>
+  </p:cSld>
+  <p:clrMapOvr>
+    <a:masterClrMapping/>
+  </p:clrMapOvr>
+</p:sld>
+</file>
+
+<file path=ppt/slides/slide17.xml><?xml version="1.0" encoding="utf-8"?>
+<p:sld xmlns:a="http://schemas.openxmlformats.org/drawingml/2006/main" xmlns:r="http://schemas.openxmlformats.org/officeDocument/2006/relationships" xmlns:p="http://schemas.openxmlformats.org/presentationml/2006/main">
+  <p:cSld>
+    <p:spTree>
+      <p:nvGrpSpPr>
+        <p:cNvPr id="1" name=""/>
+        <p:cNvGrpSpPr/>
+        <p:nvPr/>
+      </p:nvGrpSpPr>
+      <p:grpSpPr>
+        <a:xfrm>
+          <a:off x="0" y="0"/>
+          <a:ext cx="0" cy="0"/>
+          <a:chOff x="0" y="0"/>
+          <a:chExt cx="0" cy="0"/>
+        </a:xfrm>
+      </p:grpSpPr>
+      <p:sp>
+        <p:nvSpPr>
+          <p:cNvPr id="2" name="Title 1">
+            <a:extLst>
+              <a:ext uri="{FF2B5EF4-FFF2-40B4-BE49-F238E27FC236}">
+                <a16:creationId xmlns:a16="http://schemas.microsoft.com/office/drawing/2014/main" id="{4C8FA851-8DF2-41AF-D8A6-4FDEB6CDCFA4}"/>
+              </a:ext>
+            </a:extLst>
+          </p:cNvPr>
+          <p:cNvSpPr>
+            <a:spLocks noGrp="1"/>
+          </p:cNvSpPr>
+          <p:nvPr>
+            <p:ph type="title"/>
+          </p:nvPr>
+        </p:nvSpPr>
+        <p:spPr/>
+        <p:txBody>
+          <a:bodyPr>
+            <a:normAutofit fontScale="90000"/>
+          </a:bodyPr>
+          <a:lstStyle/>
+          <a:p>
+            <a:pPr algn="l"/>
+            <a:r>
+              <a:rPr lang="en-US" dirty="0"/>
+              <a:t>Analysis</a:t>
+            </a:r>
+          </a:p>
+        </p:txBody>
+      </p:sp>
+      <p:pic>
+        <p:nvPicPr>
+          <p:cNvPr id="4" name="Picture 3" descr="A graph with red line and blue dots&#10;&#10;Description automatically generated">
+            <a:extLst>
+              <a:ext uri="{FF2B5EF4-FFF2-40B4-BE49-F238E27FC236}">
+                <a16:creationId xmlns:a16="http://schemas.microsoft.com/office/drawing/2014/main" id="{878F09C6-2FBF-560B-46D2-A0FF16223997}"/>
+              </a:ext>
+            </a:extLst>
+          </p:cNvPr>
+          <p:cNvPicPr>
+            <a:picLocks noChangeAspect="1"/>
+          </p:cNvPicPr>
+          <p:nvPr/>
+        </p:nvPicPr>
+        <p:blipFill rotWithShape="1">
+          <a:blip r:embed="rId2"/>
+          <a:srcRect r="1824"/>
+          <a:stretch/>
+        </p:blipFill>
+        <p:spPr>
+          <a:xfrm>
+            <a:off x="2209800" y="908720"/>
+            <a:ext cx="8134672" cy="5738169"/>
+          </a:xfrm>
+          <a:prstGeom prst="rect">
+            <a:avLst/>
+          </a:prstGeom>
+        </p:spPr>
+      </p:pic>
+    </p:spTree>
+    <p:extLst>
+      <p:ext uri="{BB962C8B-B14F-4D97-AF65-F5344CB8AC3E}">
+        <p14:creationId xmlns:p14="http://schemas.microsoft.com/office/powerpoint/2010/main" val="3859039775"/>
+      </p:ext>
+    </p:extLst>
+  </p:cSld>
+  <p:clrMapOvr>
+    <a:masterClrMapping/>
+  </p:clrMapOvr>
+</p:sld>
+</file>
+
+<file path=ppt/slides/slide18.xml><?xml version="1.0" encoding="utf-8"?>
+<p:sld xmlns:a="http://schemas.openxmlformats.org/drawingml/2006/main" xmlns:r="http://schemas.openxmlformats.org/officeDocument/2006/relationships" xmlns:p="http://schemas.openxmlformats.org/presentationml/2006/main">
+  <p:cSld>
+    <p:spTree>
+      <p:nvGrpSpPr>
+        <p:cNvPr id="1" name=""/>
+        <p:cNvGrpSpPr/>
+        <p:nvPr/>
+      </p:nvGrpSpPr>
+      <p:grpSpPr>
+        <a:xfrm>
+          <a:off x="0" y="0"/>
+          <a:ext cx="0" cy="0"/>
+          <a:chOff x="0" y="0"/>
+          <a:chExt cx="0" cy="0"/>
+        </a:xfrm>
+      </p:grpSpPr>
+      <p:sp>
+        <p:nvSpPr>
+          <p:cNvPr id="2" name="Title 1">
+            <a:extLst>
+              <a:ext uri="{FF2B5EF4-FFF2-40B4-BE49-F238E27FC236}">
+                <a16:creationId xmlns:a16="http://schemas.microsoft.com/office/drawing/2014/main" id="{5B70B941-8423-1B8A-A748-0017A732A446}"/>
+              </a:ext>
+            </a:extLst>
+          </p:cNvPr>
+          <p:cNvSpPr>
+            <a:spLocks noGrp="1"/>
+          </p:cNvSpPr>
+          <p:nvPr>
+            <p:ph type="title"/>
+          </p:nvPr>
+        </p:nvSpPr>
+        <p:spPr/>
+        <p:txBody>
+          <a:bodyPr/>
+          <a:lstStyle/>
+          <a:p>
+            <a:r>
+              <a:rPr lang="en-US" dirty="0"/>
+              <a:t>Analysis</a:t>
+            </a:r>
+          </a:p>
+        </p:txBody>
+      </p:sp>
+      <p:pic>
+        <p:nvPicPr>
+          <p:cNvPr id="3" name="Picture 2">
+            <a:extLst>
+              <a:ext uri="{FF2B5EF4-FFF2-40B4-BE49-F238E27FC236}">
+                <a16:creationId xmlns:a16="http://schemas.microsoft.com/office/drawing/2014/main" id="{280ABD7E-F5FE-B5B8-1390-5EEE26EE4BC2}"/>
+              </a:ext>
+            </a:extLst>
+          </p:cNvPr>
+          <p:cNvPicPr>
+            <a:picLocks noChangeAspect="1"/>
+          </p:cNvPicPr>
+          <p:nvPr/>
+        </p:nvPicPr>
+        <p:blipFill>
+          <a:blip r:embed="rId2"/>
+          <a:stretch>
+            <a:fillRect/>
+          </a:stretch>
+        </p:blipFill>
+        <p:spPr>
+          <a:xfrm>
+            <a:off x="191344" y="2408225"/>
+            <a:ext cx="4800458" cy="2563781"/>
+          </a:xfrm>
+          <a:prstGeom prst="rect">
+            <a:avLst/>
+          </a:prstGeom>
+        </p:spPr>
+      </p:pic>
+      <p:pic>
+        <p:nvPicPr>
+          <p:cNvPr id="4" name="Picture 3">
+            <a:extLst>
+              <a:ext uri="{FF2B5EF4-FFF2-40B4-BE49-F238E27FC236}">
+                <a16:creationId xmlns:a16="http://schemas.microsoft.com/office/drawing/2014/main" id="{19D92043-6750-F2CE-8968-56332C0F4236}"/>
+              </a:ext>
+            </a:extLst>
+          </p:cNvPr>
+          <p:cNvPicPr>
+            <a:picLocks noChangeAspect="1"/>
+          </p:cNvPicPr>
+          <p:nvPr/>
+        </p:nvPicPr>
+        <p:blipFill>
+          <a:blip r:embed="rId3"/>
+          <a:stretch>
+            <a:fillRect/>
+          </a:stretch>
+        </p:blipFill>
+        <p:spPr>
+          <a:xfrm>
+            <a:off x="5227550" y="821718"/>
+            <a:ext cx="6590966" cy="5736795"/>
+          </a:xfrm>
+          <a:prstGeom prst="rect">
+            <a:avLst/>
+          </a:prstGeom>
+        </p:spPr>
+      </p:pic>
+    </p:spTree>
+    <p:extLst>
+      <p:ext uri="{BB962C8B-B14F-4D97-AF65-F5344CB8AC3E}">
+        <p14:creationId xmlns:p14="http://schemas.microsoft.com/office/powerpoint/2010/main" val="1718150239"/>
+      </p:ext>
+    </p:extLst>
+  </p:cSld>
+  <p:clrMapOvr>
+    <a:masterClrMapping/>
+  </p:clrMapOvr>
+</p:sld>
+</file>
+
+<file path=ppt/slides/slide19.xml><?xml version="1.0" encoding="utf-8"?>
+<p:sld xmlns:a="http://schemas.openxmlformats.org/drawingml/2006/main" xmlns:r="http://schemas.openxmlformats.org/officeDocument/2006/relationships" xmlns:p="http://schemas.openxmlformats.org/presentationml/2006/main">
+  <p:cSld>
+    <p:spTree>
+      <p:nvGrpSpPr>
+        <p:cNvPr id="1" name=""/>
+        <p:cNvGrpSpPr/>
+        <p:nvPr/>
+      </p:nvGrpSpPr>
+      <p:grpSpPr>
+        <a:xfrm>
+          <a:off x="0" y="0"/>
+          <a:ext cx="0" cy="0"/>
+          <a:chOff x="0" y="0"/>
+          <a:chExt cx="0" cy="0"/>
+        </a:xfrm>
+      </p:grpSpPr>
+      <p:sp>
+        <p:nvSpPr>
+          <p:cNvPr id="2" name="Title 1">
+            <a:extLst>
+              <a:ext uri="{FF2B5EF4-FFF2-40B4-BE49-F238E27FC236}">
+                <a16:creationId xmlns:a16="http://schemas.microsoft.com/office/drawing/2014/main" id="{5B70B941-8423-1B8A-A748-0017A732A446}"/>
+              </a:ext>
+            </a:extLst>
+          </p:cNvPr>
+          <p:cNvSpPr>
+            <a:spLocks noGrp="1"/>
+          </p:cNvSpPr>
+          <p:nvPr>
+            <p:ph type="title"/>
+          </p:nvPr>
+        </p:nvSpPr>
+        <p:spPr/>
+        <p:txBody>
+          <a:bodyPr/>
+          <a:lstStyle/>
+          <a:p>
+            <a:r>
+              <a:rPr lang="en-US" dirty="0"/>
+              <a:t>Analysis</a:t>
+            </a:r>
           </a:p>
         </p:txBody>
       </p:sp>
     </p:spTree>
     <p:extLst>
       <p:ext uri="{BB962C8B-B14F-4D97-AF65-F5344CB8AC3E}">
-        <p14:creationId xmlns:p14="http://schemas.microsoft.com/office/powerpoint/2010/main" val="4191181409"/>
+        <p14:creationId xmlns:p14="http://schemas.microsoft.com/office/powerpoint/2010/main" val="4229505527"/>
       </p:ext>
     </p:extLst>
   </p:cSld>
@@ -22775,6 +23481,1028 @@
 </p:sld>
 </file>
 
+<file path=ppt/slides/slide20.xml><?xml version="1.0" encoding="utf-8"?>
+<p:sld xmlns:a="http://schemas.openxmlformats.org/drawingml/2006/main" xmlns:r="http://schemas.openxmlformats.org/officeDocument/2006/relationships" xmlns:p="http://schemas.openxmlformats.org/presentationml/2006/main">
+  <p:cSld>
+    <p:spTree>
+      <p:nvGrpSpPr>
+        <p:cNvPr id="1" name=""/>
+        <p:cNvGrpSpPr/>
+        <p:nvPr/>
+      </p:nvGrpSpPr>
+      <p:grpSpPr>
+        <a:xfrm>
+          <a:off x="0" y="0"/>
+          <a:ext cx="0" cy="0"/>
+          <a:chOff x="0" y="0"/>
+          <a:chExt cx="0" cy="0"/>
+        </a:xfrm>
+      </p:grpSpPr>
+      <p:sp>
+        <p:nvSpPr>
+          <p:cNvPr id="2" name="Title 1">
+            <a:extLst>
+              <a:ext uri="{FF2B5EF4-FFF2-40B4-BE49-F238E27FC236}">
+                <a16:creationId xmlns:a16="http://schemas.microsoft.com/office/drawing/2014/main" id="{79CDC5FE-7BC7-C6D5-DDFA-59FDB10A435D}"/>
+              </a:ext>
+            </a:extLst>
+          </p:cNvPr>
+          <p:cNvSpPr>
+            <a:spLocks noGrp="1"/>
+          </p:cNvSpPr>
+          <p:nvPr>
+            <p:ph type="title"/>
+          </p:nvPr>
+        </p:nvSpPr>
+        <p:spPr/>
+        <p:txBody>
+          <a:bodyPr/>
+          <a:lstStyle/>
+          <a:p>
+            <a:r>
+              <a:rPr lang="en-US" dirty="0"/>
+              <a:t>Public Transit Revenue vs Unemployment Rate </a:t>
+            </a:r>
+          </a:p>
+        </p:txBody>
+      </p:sp>
+      <p:sp>
+        <p:nvSpPr>
+          <p:cNvPr id="3" name="Text Placeholder 2">
+            <a:extLst>
+              <a:ext uri="{FF2B5EF4-FFF2-40B4-BE49-F238E27FC236}">
+                <a16:creationId xmlns:a16="http://schemas.microsoft.com/office/drawing/2014/main" id="{B7747181-A139-4232-D7F0-39E20EF7A87A}"/>
+              </a:ext>
+            </a:extLst>
+          </p:cNvPr>
+          <p:cNvSpPr>
+            <a:spLocks noGrp="1"/>
+          </p:cNvSpPr>
+          <p:nvPr>
+            <p:ph type="body" idx="1"/>
+          </p:nvPr>
+        </p:nvSpPr>
+        <p:spPr/>
+        <p:txBody>
+          <a:bodyPr/>
+          <a:lstStyle/>
+          <a:p>
+            <a:r>
+              <a:rPr lang="en-US" dirty="0"/>
+              <a:t>Do unemployment rates affect public transit revenue in Canada?</a:t>
+            </a:r>
+          </a:p>
+          <a:p>
+            <a:endParaRPr lang="en-US" dirty="0"/>
+          </a:p>
+        </p:txBody>
+      </p:sp>
+    </p:spTree>
+    <p:extLst>
+      <p:ext uri="{BB962C8B-B14F-4D97-AF65-F5344CB8AC3E}">
+        <p14:creationId xmlns:p14="http://schemas.microsoft.com/office/powerpoint/2010/main" val="904522036"/>
+      </p:ext>
+    </p:extLst>
+  </p:cSld>
+  <p:clrMapOvr>
+    <a:masterClrMapping/>
+  </p:clrMapOvr>
+</p:sld>
+</file>
+
+<file path=ppt/slides/slide21.xml><?xml version="1.0" encoding="utf-8"?>
+<p:sld xmlns:a="http://schemas.openxmlformats.org/drawingml/2006/main" xmlns:r="http://schemas.openxmlformats.org/officeDocument/2006/relationships" xmlns:p="http://schemas.openxmlformats.org/presentationml/2006/main">
+  <p:cSld>
+    <p:spTree>
+      <p:nvGrpSpPr>
+        <p:cNvPr id="1" name=""/>
+        <p:cNvGrpSpPr/>
+        <p:nvPr/>
+      </p:nvGrpSpPr>
+      <p:grpSpPr>
+        <a:xfrm>
+          <a:off x="0" y="0"/>
+          <a:ext cx="0" cy="0"/>
+          <a:chOff x="0" y="0"/>
+          <a:chExt cx="0" cy="0"/>
+        </a:xfrm>
+      </p:grpSpPr>
+      <p:sp>
+        <p:nvSpPr>
+          <p:cNvPr id="2" name="Title 1">
+            <a:extLst>
+              <a:ext uri="{FF2B5EF4-FFF2-40B4-BE49-F238E27FC236}">
+                <a16:creationId xmlns:a16="http://schemas.microsoft.com/office/drawing/2014/main" id="{495A21F7-3D5A-9360-D1D5-D652BDE9B45B}"/>
+              </a:ext>
+            </a:extLst>
+          </p:cNvPr>
+          <p:cNvSpPr>
+            <a:spLocks noGrp="1"/>
+          </p:cNvSpPr>
+          <p:nvPr>
+            <p:ph type="title"/>
+          </p:nvPr>
+        </p:nvSpPr>
+        <p:spPr/>
+        <p:txBody>
+          <a:bodyPr>
+            <a:normAutofit fontScale="90000"/>
+          </a:bodyPr>
+          <a:lstStyle/>
+          <a:p>
+            <a:endParaRPr lang="en-US"/>
+          </a:p>
+        </p:txBody>
+      </p:sp>
+    </p:spTree>
+    <p:extLst>
+      <p:ext uri="{BB962C8B-B14F-4D97-AF65-F5344CB8AC3E}">
+        <p14:creationId xmlns:p14="http://schemas.microsoft.com/office/powerpoint/2010/main" val="4191181409"/>
+      </p:ext>
+    </p:extLst>
+  </p:cSld>
+  <p:clrMapOvr>
+    <a:masterClrMapping/>
+  </p:clrMapOvr>
+</p:sld>
+</file>
+
+<file path=ppt/slides/slide22.xml><?xml version="1.0" encoding="utf-8"?>
+<p:sld xmlns:a="http://schemas.openxmlformats.org/drawingml/2006/main" xmlns:r="http://schemas.openxmlformats.org/officeDocument/2006/relationships" xmlns:p="http://schemas.openxmlformats.org/presentationml/2006/main">
+  <p:cSld>
+    <p:spTree>
+      <p:nvGrpSpPr>
+        <p:cNvPr id="1" name=""/>
+        <p:cNvGrpSpPr/>
+        <p:nvPr/>
+      </p:nvGrpSpPr>
+      <p:grpSpPr>
+        <a:xfrm>
+          <a:off x="0" y="0"/>
+          <a:ext cx="0" cy="0"/>
+          <a:chOff x="0" y="0"/>
+          <a:chExt cx="0" cy="0"/>
+        </a:xfrm>
+      </p:grpSpPr>
+      <p:sp>
+        <p:nvSpPr>
+          <p:cNvPr id="2" name="Title 1">
+            <a:extLst>
+              <a:ext uri="{FF2B5EF4-FFF2-40B4-BE49-F238E27FC236}">
+                <a16:creationId xmlns:a16="http://schemas.microsoft.com/office/drawing/2014/main" id="{06C5864A-DF76-EA17-1C73-FBC556C4FAC4}"/>
+              </a:ext>
+            </a:extLst>
+          </p:cNvPr>
+          <p:cNvSpPr>
+            <a:spLocks noGrp="1"/>
+          </p:cNvSpPr>
+          <p:nvPr>
+            <p:ph type="title"/>
+          </p:nvPr>
+        </p:nvSpPr>
+        <p:spPr/>
+        <p:txBody>
+          <a:bodyPr/>
+          <a:lstStyle/>
+          <a:p>
+            <a:r>
+              <a:rPr lang="en-US" dirty="0"/>
+              <a:t>Conclusion</a:t>
+            </a:r>
+          </a:p>
+        </p:txBody>
+      </p:sp>
+      <p:sp>
+        <p:nvSpPr>
+          <p:cNvPr id="4" name="Content Placeholder 3">
+            <a:extLst>
+              <a:ext uri="{FF2B5EF4-FFF2-40B4-BE49-F238E27FC236}">
+                <a16:creationId xmlns:a16="http://schemas.microsoft.com/office/drawing/2014/main" id="{DF371F62-9111-BBD2-96D7-0A02A3C7B0BF}"/>
+              </a:ext>
+            </a:extLst>
+          </p:cNvPr>
+          <p:cNvSpPr>
+            <a:spLocks noGrp="1"/>
+          </p:cNvSpPr>
+          <p:nvPr>
+            <p:ph idx="13"/>
+          </p:nvPr>
+        </p:nvSpPr>
+        <p:spPr>
+          <a:xfrm>
+            <a:off x="805415" y="4358331"/>
+            <a:ext cx="3778417" cy="1691632"/>
+          </a:xfrm>
+        </p:spPr>
+        <p:txBody>
+          <a:bodyPr>
+            <a:normAutofit/>
+          </a:bodyPr>
+          <a:lstStyle/>
+          <a:p>
+            <a:pPr marL="0" indent="0" algn="ctr">
+              <a:buNone/>
+            </a:pPr>
+            <a:r>
+              <a:rPr lang="en-US" dirty="0"/>
+              <a:t>So, can unemployment rates help to predict various</a:t>
+            </a:r>
+            <a:r>
+              <a:rPr lang="en-US" sz="1800" dirty="0"/>
+              <a:t> economic and social metrics in Canada?</a:t>
+            </a:r>
+          </a:p>
+        </p:txBody>
+      </p:sp>
+      <p:sp>
+        <p:nvSpPr>
+          <p:cNvPr id="3" name="Content Placeholder 2">
+            <a:extLst>
+              <a:ext uri="{FF2B5EF4-FFF2-40B4-BE49-F238E27FC236}">
+                <a16:creationId xmlns:a16="http://schemas.microsoft.com/office/drawing/2014/main" id="{128115D4-4175-45A1-9604-C0E7A36608DD}"/>
+              </a:ext>
+            </a:extLst>
+          </p:cNvPr>
+          <p:cNvSpPr>
+            <a:spLocks noGrp="1"/>
+          </p:cNvSpPr>
+          <p:nvPr>
+            <p:ph idx="1"/>
+          </p:nvPr>
+        </p:nvSpPr>
+        <p:spPr>
+          <a:xfrm>
+            <a:off x="5118447" y="803186"/>
+            <a:ext cx="6281873" cy="5248622"/>
+          </a:xfrm>
+        </p:spPr>
+        <p:txBody>
+          <a:bodyPr lIns="90000" anchor="t" anchorCtr="0">
+            <a:normAutofit/>
+          </a:bodyPr>
+          <a:lstStyle/>
+          <a:p>
+            <a:r>
+              <a:rPr lang="en-US" sz="2000" dirty="0"/>
+              <a:t>Immigration</a:t>
+            </a:r>
+          </a:p>
+          <a:p>
+            <a:pPr lvl="1"/>
+            <a:r>
+              <a:rPr lang="en-US" sz="1800" dirty="0"/>
+              <a:t>Unemployment does not appear to significantly correlate with immigration</a:t>
+            </a:r>
+          </a:p>
+          <a:p>
+            <a:r>
+              <a:rPr lang="en-US" sz="2000" dirty="0"/>
+              <a:t>Public transit revenue</a:t>
+            </a:r>
+          </a:p>
+          <a:p>
+            <a:endParaRPr lang="en-US" sz="2000" dirty="0"/>
+          </a:p>
+          <a:p>
+            <a:r>
+              <a:rPr lang="en-US" sz="2000" dirty="0"/>
+              <a:t>Household spending</a:t>
+            </a:r>
+          </a:p>
+          <a:p>
+            <a:pPr lvl="1"/>
+            <a:r>
+              <a:rPr lang="en-US" sz="1800" dirty="0"/>
+              <a:t>Unemployment rates is having a strong negative relationship with spending on necessities such as principal accommodation,  food and personal insurance payment and pension contribution.</a:t>
+            </a:r>
+          </a:p>
+          <a:p>
+            <a:endParaRPr lang="en-US" sz="2000" dirty="0"/>
+          </a:p>
+          <a:p>
+            <a:endParaRPr lang="en-US" sz="2000" dirty="0"/>
+          </a:p>
+        </p:txBody>
+      </p:sp>
+    </p:spTree>
+    <p:extLst>
+      <p:ext uri="{BB962C8B-B14F-4D97-AF65-F5344CB8AC3E}">
+        <p14:creationId xmlns:p14="http://schemas.microsoft.com/office/powerpoint/2010/main" val="4177935488"/>
+      </p:ext>
+    </p:extLst>
+  </p:cSld>
+  <p:clrMapOvr>
+    <a:masterClrMapping/>
+  </p:clrMapOvr>
+  <p:timing>
+    <p:tnLst>
+      <p:par>
+        <p:cTn id="1" dur="indefinite" restart="never" nodeType="tmRoot">
+          <p:childTnLst>
+            <p:seq concurrent="1" nextAc="seek">
+              <p:cTn id="2" dur="indefinite" nodeType="mainSeq">
+                <p:childTnLst>
+                  <p:par>
+                    <p:cTn id="3" fill="hold">
+                      <p:stCondLst>
+                        <p:cond delay="indefinite"/>
+                      </p:stCondLst>
+                      <p:childTnLst>
+                        <p:par>
+                          <p:cTn id="4" fill="hold">
+                            <p:stCondLst>
+                              <p:cond delay="0"/>
+                            </p:stCondLst>
+                            <p:childTnLst>
+                              <p:par>
+                                <p:cTn id="5" presetID="2" presetClass="entr" presetSubtype="4" fill="hold" grpId="0" nodeType="clickEffect">
+                                  <p:stCondLst>
+                                    <p:cond delay="0"/>
+                                  </p:stCondLst>
+                                  <p:childTnLst>
+                                    <p:set>
+                                      <p:cBhvr>
+                                        <p:cTn id="6" dur="1" fill="hold">
+                                          <p:stCondLst>
+                                            <p:cond delay="0"/>
+                                          </p:stCondLst>
+                                        </p:cTn>
+                                        <p:tgtEl>
+                                          <p:spTgt spid="3">
+                                            <p:txEl>
+                                              <p:pRg st="0" end="0"/>
+                                            </p:txEl>
+                                          </p:spTgt>
+                                        </p:tgtEl>
+                                        <p:attrNameLst>
+                                          <p:attrName>style.visibility</p:attrName>
+                                        </p:attrNameLst>
+                                      </p:cBhvr>
+                                      <p:to>
+                                        <p:strVal val="visible"/>
+                                      </p:to>
+                                    </p:set>
+                                    <p:anim calcmode="lin" valueType="num">
+                                      <p:cBhvr additive="base">
+                                        <p:cTn id="7" dur="500" fill="hold"/>
+                                        <p:tgtEl>
+                                          <p:spTgt spid="3">
+                                            <p:txEl>
+                                              <p:pRg st="0" end="0"/>
+                                            </p:txEl>
+                                          </p:spTgt>
+                                        </p:tgtEl>
+                                        <p:attrNameLst>
+                                          <p:attrName>ppt_x</p:attrName>
+                                        </p:attrNameLst>
+                                      </p:cBhvr>
+                                      <p:tavLst>
+                                        <p:tav tm="0">
+                                          <p:val>
+                                            <p:strVal val="#ppt_x"/>
+                                          </p:val>
+                                        </p:tav>
+                                        <p:tav tm="100000">
+                                          <p:val>
+                                            <p:strVal val="#ppt_x"/>
+                                          </p:val>
+                                        </p:tav>
+                                      </p:tavLst>
+                                    </p:anim>
+                                    <p:anim calcmode="lin" valueType="num">
+                                      <p:cBhvr additive="base">
+                                        <p:cTn id="8" dur="500" fill="hold"/>
+                                        <p:tgtEl>
+                                          <p:spTgt spid="3">
+                                            <p:txEl>
+                                              <p:pRg st="0" end="0"/>
+                                            </p:txEl>
+                                          </p:spTgt>
+                                        </p:tgtEl>
+                                        <p:attrNameLst>
+                                          <p:attrName>ppt_y</p:attrName>
+                                        </p:attrNameLst>
+                                      </p:cBhvr>
+                                      <p:tavLst>
+                                        <p:tav tm="0">
+                                          <p:val>
+                                            <p:strVal val="1+#ppt_h/2"/>
+                                          </p:val>
+                                        </p:tav>
+                                        <p:tav tm="100000">
+                                          <p:val>
+                                            <p:strVal val="#ppt_y"/>
+                                          </p:val>
+                                        </p:tav>
+                                      </p:tavLst>
+                                    </p:anim>
+                                  </p:childTnLst>
+                                </p:cTn>
+                              </p:par>
+                              <p:par>
+                                <p:cTn id="9" presetID="2" presetClass="entr" presetSubtype="4" fill="hold" grpId="0" nodeType="withEffect">
+                                  <p:stCondLst>
+                                    <p:cond delay="0"/>
+                                  </p:stCondLst>
+                                  <p:childTnLst>
+                                    <p:set>
+                                      <p:cBhvr>
+                                        <p:cTn id="10" dur="1" fill="hold">
+                                          <p:stCondLst>
+                                            <p:cond delay="0"/>
+                                          </p:stCondLst>
+                                        </p:cTn>
+                                        <p:tgtEl>
+                                          <p:spTgt spid="3">
+                                            <p:txEl>
+                                              <p:pRg st="1" end="1"/>
+                                            </p:txEl>
+                                          </p:spTgt>
+                                        </p:tgtEl>
+                                        <p:attrNameLst>
+                                          <p:attrName>style.visibility</p:attrName>
+                                        </p:attrNameLst>
+                                      </p:cBhvr>
+                                      <p:to>
+                                        <p:strVal val="visible"/>
+                                      </p:to>
+                                    </p:set>
+                                    <p:anim calcmode="lin" valueType="num">
+                                      <p:cBhvr additive="base">
+                                        <p:cTn id="11" dur="500" fill="hold"/>
+                                        <p:tgtEl>
+                                          <p:spTgt spid="3">
+                                            <p:txEl>
+                                              <p:pRg st="1" end="1"/>
+                                            </p:txEl>
+                                          </p:spTgt>
+                                        </p:tgtEl>
+                                        <p:attrNameLst>
+                                          <p:attrName>ppt_x</p:attrName>
+                                        </p:attrNameLst>
+                                      </p:cBhvr>
+                                      <p:tavLst>
+                                        <p:tav tm="0">
+                                          <p:val>
+                                            <p:strVal val="#ppt_x"/>
+                                          </p:val>
+                                        </p:tav>
+                                        <p:tav tm="100000">
+                                          <p:val>
+                                            <p:strVal val="#ppt_x"/>
+                                          </p:val>
+                                        </p:tav>
+                                      </p:tavLst>
+                                    </p:anim>
+                                    <p:anim calcmode="lin" valueType="num">
+                                      <p:cBhvr additive="base">
+                                        <p:cTn id="12" dur="500" fill="hold"/>
+                                        <p:tgtEl>
+                                          <p:spTgt spid="3">
+                                            <p:txEl>
+                                              <p:pRg st="1" end="1"/>
+                                            </p:txEl>
+                                          </p:spTgt>
+                                        </p:tgtEl>
+                                        <p:attrNameLst>
+                                          <p:attrName>ppt_y</p:attrName>
+                                        </p:attrNameLst>
+                                      </p:cBhvr>
+                                      <p:tavLst>
+                                        <p:tav tm="0">
+                                          <p:val>
+                                            <p:strVal val="1+#ppt_h/2"/>
+                                          </p:val>
+                                        </p:tav>
+                                        <p:tav tm="100000">
+                                          <p:val>
+                                            <p:strVal val="#ppt_y"/>
+                                          </p:val>
+                                        </p:tav>
+                                      </p:tavLst>
+                                    </p:anim>
+                                  </p:childTnLst>
+                                </p:cTn>
+                              </p:par>
+                            </p:childTnLst>
+                          </p:cTn>
+                        </p:par>
+                      </p:childTnLst>
+                    </p:cTn>
+                  </p:par>
+                  <p:par>
+                    <p:cTn id="13" fill="hold">
+                      <p:stCondLst>
+                        <p:cond delay="indefinite"/>
+                      </p:stCondLst>
+                      <p:childTnLst>
+                        <p:par>
+                          <p:cTn id="14" fill="hold">
+                            <p:stCondLst>
+                              <p:cond delay="0"/>
+                            </p:stCondLst>
+                            <p:childTnLst>
+                              <p:par>
+                                <p:cTn id="15" presetID="2" presetClass="entr" presetSubtype="4" fill="hold" grpId="0" nodeType="clickEffect">
+                                  <p:stCondLst>
+                                    <p:cond delay="0"/>
+                                  </p:stCondLst>
+                                  <p:childTnLst>
+                                    <p:set>
+                                      <p:cBhvr>
+                                        <p:cTn id="16" dur="1" fill="hold">
+                                          <p:stCondLst>
+                                            <p:cond delay="0"/>
+                                          </p:stCondLst>
+                                        </p:cTn>
+                                        <p:tgtEl>
+                                          <p:spTgt spid="3">
+                                            <p:txEl>
+                                              <p:pRg st="2" end="2"/>
+                                            </p:txEl>
+                                          </p:spTgt>
+                                        </p:tgtEl>
+                                        <p:attrNameLst>
+                                          <p:attrName>style.visibility</p:attrName>
+                                        </p:attrNameLst>
+                                      </p:cBhvr>
+                                      <p:to>
+                                        <p:strVal val="visible"/>
+                                      </p:to>
+                                    </p:set>
+                                    <p:anim calcmode="lin" valueType="num">
+                                      <p:cBhvr additive="base">
+                                        <p:cTn id="17" dur="500" fill="hold"/>
+                                        <p:tgtEl>
+                                          <p:spTgt spid="3">
+                                            <p:txEl>
+                                              <p:pRg st="2" end="2"/>
+                                            </p:txEl>
+                                          </p:spTgt>
+                                        </p:tgtEl>
+                                        <p:attrNameLst>
+                                          <p:attrName>ppt_x</p:attrName>
+                                        </p:attrNameLst>
+                                      </p:cBhvr>
+                                      <p:tavLst>
+                                        <p:tav tm="0">
+                                          <p:val>
+                                            <p:strVal val="#ppt_x"/>
+                                          </p:val>
+                                        </p:tav>
+                                        <p:tav tm="100000">
+                                          <p:val>
+                                            <p:strVal val="#ppt_x"/>
+                                          </p:val>
+                                        </p:tav>
+                                      </p:tavLst>
+                                    </p:anim>
+                                    <p:anim calcmode="lin" valueType="num">
+                                      <p:cBhvr additive="base">
+                                        <p:cTn id="18" dur="500" fill="hold"/>
+                                        <p:tgtEl>
+                                          <p:spTgt spid="3">
+                                            <p:txEl>
+                                              <p:pRg st="2" end="2"/>
+                                            </p:txEl>
+                                          </p:spTgt>
+                                        </p:tgtEl>
+                                        <p:attrNameLst>
+                                          <p:attrName>ppt_y</p:attrName>
+                                        </p:attrNameLst>
+                                      </p:cBhvr>
+                                      <p:tavLst>
+                                        <p:tav tm="0">
+                                          <p:val>
+                                            <p:strVal val="1+#ppt_h/2"/>
+                                          </p:val>
+                                        </p:tav>
+                                        <p:tav tm="100000">
+                                          <p:val>
+                                            <p:strVal val="#ppt_y"/>
+                                          </p:val>
+                                        </p:tav>
+                                      </p:tavLst>
+                                    </p:anim>
+                                  </p:childTnLst>
+                                </p:cTn>
+                              </p:par>
+                            </p:childTnLst>
+                          </p:cTn>
+                        </p:par>
+                      </p:childTnLst>
+                    </p:cTn>
+                  </p:par>
+                  <p:par>
+                    <p:cTn id="19" fill="hold">
+                      <p:stCondLst>
+                        <p:cond delay="indefinite"/>
+                      </p:stCondLst>
+                      <p:childTnLst>
+                        <p:par>
+                          <p:cTn id="20" fill="hold">
+                            <p:stCondLst>
+                              <p:cond delay="0"/>
+                            </p:stCondLst>
+                            <p:childTnLst>
+                              <p:par>
+                                <p:cTn id="21" presetID="2" presetClass="entr" presetSubtype="4" fill="hold" grpId="0" nodeType="clickEffect">
+                                  <p:stCondLst>
+                                    <p:cond delay="0"/>
+                                  </p:stCondLst>
+                                  <p:childTnLst>
+                                    <p:set>
+                                      <p:cBhvr>
+                                        <p:cTn id="22" dur="1" fill="hold">
+                                          <p:stCondLst>
+                                            <p:cond delay="0"/>
+                                          </p:stCondLst>
+                                        </p:cTn>
+                                        <p:tgtEl>
+                                          <p:spTgt spid="3">
+                                            <p:txEl>
+                                              <p:pRg st="4" end="4"/>
+                                            </p:txEl>
+                                          </p:spTgt>
+                                        </p:tgtEl>
+                                        <p:attrNameLst>
+                                          <p:attrName>style.visibility</p:attrName>
+                                        </p:attrNameLst>
+                                      </p:cBhvr>
+                                      <p:to>
+                                        <p:strVal val="visible"/>
+                                      </p:to>
+                                    </p:set>
+                                    <p:anim calcmode="lin" valueType="num">
+                                      <p:cBhvr additive="base">
+                                        <p:cTn id="23" dur="500" fill="hold"/>
+                                        <p:tgtEl>
+                                          <p:spTgt spid="3">
+                                            <p:txEl>
+                                              <p:pRg st="4" end="4"/>
+                                            </p:txEl>
+                                          </p:spTgt>
+                                        </p:tgtEl>
+                                        <p:attrNameLst>
+                                          <p:attrName>ppt_x</p:attrName>
+                                        </p:attrNameLst>
+                                      </p:cBhvr>
+                                      <p:tavLst>
+                                        <p:tav tm="0">
+                                          <p:val>
+                                            <p:strVal val="#ppt_x"/>
+                                          </p:val>
+                                        </p:tav>
+                                        <p:tav tm="100000">
+                                          <p:val>
+                                            <p:strVal val="#ppt_x"/>
+                                          </p:val>
+                                        </p:tav>
+                                      </p:tavLst>
+                                    </p:anim>
+                                    <p:anim calcmode="lin" valueType="num">
+                                      <p:cBhvr additive="base">
+                                        <p:cTn id="24" dur="500" fill="hold"/>
+                                        <p:tgtEl>
+                                          <p:spTgt spid="3">
+                                            <p:txEl>
+                                              <p:pRg st="4" end="4"/>
+                                            </p:txEl>
+                                          </p:spTgt>
+                                        </p:tgtEl>
+                                        <p:attrNameLst>
+                                          <p:attrName>ppt_y</p:attrName>
+                                        </p:attrNameLst>
+                                      </p:cBhvr>
+                                      <p:tavLst>
+                                        <p:tav tm="0">
+                                          <p:val>
+                                            <p:strVal val="1+#ppt_h/2"/>
+                                          </p:val>
+                                        </p:tav>
+                                        <p:tav tm="100000">
+                                          <p:val>
+                                            <p:strVal val="#ppt_y"/>
+                                          </p:val>
+                                        </p:tav>
+                                      </p:tavLst>
+                                    </p:anim>
+                                  </p:childTnLst>
+                                </p:cTn>
+                              </p:par>
+                              <p:par>
+                                <p:cTn id="25" presetID="2" presetClass="entr" presetSubtype="4" fill="hold" grpId="0" nodeType="withEffect">
+                                  <p:stCondLst>
+                                    <p:cond delay="0"/>
+                                  </p:stCondLst>
+                                  <p:childTnLst>
+                                    <p:set>
+                                      <p:cBhvr>
+                                        <p:cTn id="26" dur="1" fill="hold">
+                                          <p:stCondLst>
+                                            <p:cond delay="0"/>
+                                          </p:stCondLst>
+                                        </p:cTn>
+                                        <p:tgtEl>
+                                          <p:spTgt spid="3">
+                                            <p:txEl>
+                                              <p:pRg st="5" end="5"/>
+                                            </p:txEl>
+                                          </p:spTgt>
+                                        </p:tgtEl>
+                                        <p:attrNameLst>
+                                          <p:attrName>style.visibility</p:attrName>
+                                        </p:attrNameLst>
+                                      </p:cBhvr>
+                                      <p:to>
+                                        <p:strVal val="visible"/>
+                                      </p:to>
+                                    </p:set>
+                                    <p:anim calcmode="lin" valueType="num">
+                                      <p:cBhvr additive="base">
+                                        <p:cTn id="27" dur="500" fill="hold"/>
+                                        <p:tgtEl>
+                                          <p:spTgt spid="3">
+                                            <p:txEl>
+                                              <p:pRg st="5" end="5"/>
+                                            </p:txEl>
+                                          </p:spTgt>
+                                        </p:tgtEl>
+                                        <p:attrNameLst>
+                                          <p:attrName>ppt_x</p:attrName>
+                                        </p:attrNameLst>
+                                      </p:cBhvr>
+                                      <p:tavLst>
+                                        <p:tav tm="0">
+                                          <p:val>
+                                            <p:strVal val="#ppt_x"/>
+                                          </p:val>
+                                        </p:tav>
+                                        <p:tav tm="100000">
+                                          <p:val>
+                                            <p:strVal val="#ppt_x"/>
+                                          </p:val>
+                                        </p:tav>
+                                      </p:tavLst>
+                                    </p:anim>
+                                    <p:anim calcmode="lin" valueType="num">
+                                      <p:cBhvr additive="base">
+                                        <p:cTn id="28" dur="500" fill="hold"/>
+                                        <p:tgtEl>
+                                          <p:spTgt spid="3">
+                                            <p:txEl>
+                                              <p:pRg st="5" end="5"/>
+                                            </p:txEl>
+                                          </p:spTgt>
+                                        </p:tgtEl>
+                                        <p:attrNameLst>
+                                          <p:attrName>ppt_y</p:attrName>
+                                        </p:attrNameLst>
+                                      </p:cBhvr>
+                                      <p:tavLst>
+                                        <p:tav tm="0">
+                                          <p:val>
+                                            <p:strVal val="1+#ppt_h/2"/>
+                                          </p:val>
+                                        </p:tav>
+                                        <p:tav tm="100000">
+                                          <p:val>
+                                            <p:strVal val="#ppt_y"/>
+                                          </p:val>
+                                        </p:tav>
+                                      </p:tavLst>
+                                    </p:anim>
+                                  </p:childTnLst>
+                                </p:cTn>
+                              </p:par>
+                            </p:childTnLst>
+                          </p:cTn>
+                        </p:par>
+                      </p:childTnLst>
+                    </p:cTn>
+                  </p:par>
+                </p:childTnLst>
+              </p:cTn>
+              <p:prevCondLst>
+                <p:cond evt="onPrev" delay="0">
+                  <p:tgtEl>
+                    <p:sldTgt/>
+                  </p:tgtEl>
+                </p:cond>
+              </p:prevCondLst>
+              <p:nextCondLst>
+                <p:cond evt="onNext" delay="0">
+                  <p:tgtEl>
+                    <p:sldTgt/>
+                  </p:tgtEl>
+                </p:cond>
+              </p:nextCondLst>
+            </p:seq>
+          </p:childTnLst>
+        </p:cTn>
+      </p:par>
+    </p:tnLst>
+    <p:bldLst>
+      <p:bldP spid="3" grpId="0" build="p"/>
+    </p:bldLst>
+  </p:timing>
+</p:sld>
+</file>
+
+<file path=ppt/slides/slide23.xml><?xml version="1.0" encoding="utf-8"?>
+<p:sld xmlns:a="http://schemas.openxmlformats.org/drawingml/2006/main" xmlns:r="http://schemas.openxmlformats.org/officeDocument/2006/relationships" xmlns:p="http://schemas.openxmlformats.org/presentationml/2006/main">
+  <p:cSld>
+    <p:spTree>
+      <p:nvGrpSpPr>
+        <p:cNvPr id="1" name=""/>
+        <p:cNvGrpSpPr/>
+        <p:nvPr/>
+      </p:nvGrpSpPr>
+      <p:grpSpPr>
+        <a:xfrm>
+          <a:off x="0" y="0"/>
+          <a:ext cx="0" cy="0"/>
+          <a:chOff x="0" y="0"/>
+          <a:chExt cx="0" cy="0"/>
+        </a:xfrm>
+      </p:grpSpPr>
+      <p:sp>
+        <p:nvSpPr>
+          <p:cNvPr id="2" name="Title 1">
+            <a:extLst>
+              <a:ext uri="{FF2B5EF4-FFF2-40B4-BE49-F238E27FC236}">
+                <a16:creationId xmlns:a16="http://schemas.microsoft.com/office/drawing/2014/main" id="{6726B860-4B6D-9B55-E81C-869AB866944A}"/>
+              </a:ext>
+            </a:extLst>
+          </p:cNvPr>
+          <p:cNvSpPr>
+            <a:spLocks noGrp="1"/>
+          </p:cNvSpPr>
+          <p:nvPr>
+            <p:ph type="title"/>
+          </p:nvPr>
+        </p:nvSpPr>
+        <p:spPr/>
+        <p:txBody>
+          <a:bodyPr/>
+          <a:lstStyle/>
+          <a:p>
+            <a:r>
+              <a:rPr lang="en-US" dirty="0"/>
+              <a:t>Limitations and Assumptions </a:t>
+            </a:r>
+          </a:p>
+        </p:txBody>
+      </p:sp>
+      <p:sp>
+        <p:nvSpPr>
+          <p:cNvPr id="3" name="Content Placeholder 2">
+            <a:extLst>
+              <a:ext uri="{FF2B5EF4-FFF2-40B4-BE49-F238E27FC236}">
+                <a16:creationId xmlns:a16="http://schemas.microsoft.com/office/drawing/2014/main" id="{8425F790-30ED-277D-83E1-7F043A762A25}"/>
+              </a:ext>
+            </a:extLst>
+          </p:cNvPr>
+          <p:cNvSpPr>
+            <a:spLocks noGrp="1"/>
+          </p:cNvSpPr>
+          <p:nvPr>
+            <p:ph idx="1"/>
+          </p:nvPr>
+        </p:nvSpPr>
+        <p:spPr/>
+        <p:txBody>
+          <a:bodyPr/>
+          <a:lstStyle/>
+          <a:p>
+            <a:r>
+              <a:rPr lang="en-US" dirty="0"/>
+              <a:t>The timeframe of the dataset is not aligned</a:t>
+            </a:r>
+          </a:p>
+          <a:p>
+            <a:r>
+              <a:rPr lang="en-US" dirty="0"/>
+              <a:t>Data during Covid-19 is a big outlier in most of the dataset</a:t>
+            </a:r>
+          </a:p>
+          <a:p>
+            <a:r>
+              <a:rPr lang="en-US" dirty="0"/>
+              <a:t>Inflation is not included in the analysis for household spending</a:t>
+            </a:r>
+          </a:p>
+        </p:txBody>
+      </p:sp>
+    </p:spTree>
+    <p:extLst>
+      <p:ext uri="{BB962C8B-B14F-4D97-AF65-F5344CB8AC3E}">
+        <p14:creationId xmlns:p14="http://schemas.microsoft.com/office/powerpoint/2010/main" val="989335912"/>
+      </p:ext>
+    </p:extLst>
+  </p:cSld>
+  <p:clrMapOvr>
+    <a:masterClrMapping/>
+  </p:clrMapOvr>
+</p:sld>
+</file>
+
+<file path=ppt/slides/slide24.xml><?xml version="1.0" encoding="utf-8"?>
+<p:sld xmlns:a="http://schemas.openxmlformats.org/drawingml/2006/main" xmlns:r="http://schemas.openxmlformats.org/officeDocument/2006/relationships" xmlns:p="http://schemas.openxmlformats.org/presentationml/2006/main">
+  <p:cSld>
+    <p:spTree>
+      <p:nvGrpSpPr>
+        <p:cNvPr id="1" name=""/>
+        <p:cNvGrpSpPr/>
+        <p:nvPr/>
+      </p:nvGrpSpPr>
+      <p:grpSpPr>
+        <a:xfrm>
+          <a:off x="0" y="0"/>
+          <a:ext cx="0" cy="0"/>
+          <a:chOff x="0" y="0"/>
+          <a:chExt cx="0" cy="0"/>
+        </a:xfrm>
+      </p:grpSpPr>
+      <p:sp>
+        <p:nvSpPr>
+          <p:cNvPr id="2" name="Title 1">
+            <a:extLst>
+              <a:ext uri="{FF2B5EF4-FFF2-40B4-BE49-F238E27FC236}">
+                <a16:creationId xmlns:a16="http://schemas.microsoft.com/office/drawing/2014/main" id="{6726B860-4B6D-9B55-E81C-869AB866944A}"/>
+              </a:ext>
+            </a:extLst>
+          </p:cNvPr>
+          <p:cNvSpPr>
+            <a:spLocks noGrp="1"/>
+          </p:cNvSpPr>
+          <p:nvPr>
+            <p:ph type="title"/>
+          </p:nvPr>
+        </p:nvSpPr>
+        <p:spPr/>
+        <p:txBody>
+          <a:bodyPr/>
+          <a:lstStyle/>
+          <a:p>
+            <a:r>
+              <a:rPr lang="en-US" dirty="0"/>
+              <a:t>Learnings and Takeaways</a:t>
+            </a:r>
+          </a:p>
+        </p:txBody>
+      </p:sp>
+      <p:sp>
+        <p:nvSpPr>
+          <p:cNvPr id="3" name="Content Placeholder 2">
+            <a:extLst>
+              <a:ext uri="{FF2B5EF4-FFF2-40B4-BE49-F238E27FC236}">
+                <a16:creationId xmlns:a16="http://schemas.microsoft.com/office/drawing/2014/main" id="{8425F790-30ED-277D-83E1-7F043A762A25}"/>
+              </a:ext>
+            </a:extLst>
+          </p:cNvPr>
+          <p:cNvSpPr>
+            <a:spLocks noGrp="1"/>
+          </p:cNvSpPr>
+          <p:nvPr>
+            <p:ph idx="1"/>
+          </p:nvPr>
+        </p:nvSpPr>
+        <p:spPr/>
+        <p:txBody>
+          <a:bodyPr/>
+          <a:lstStyle/>
+          <a:p>
+            <a:r>
+              <a:rPr lang="en-US" dirty="0" err="1"/>
+              <a:t>Github</a:t>
+            </a:r>
+            <a:r>
+              <a:rPr lang="en-US" dirty="0"/>
+              <a:t> is frustrating/ merge conflicts suck!</a:t>
+            </a:r>
+          </a:p>
+          <a:p>
+            <a:r>
+              <a:rPr lang="en-US" dirty="0"/>
+              <a:t>Collaboration and planning is very important</a:t>
+            </a:r>
+          </a:p>
+        </p:txBody>
+      </p:sp>
+    </p:spTree>
+    <p:extLst>
+      <p:ext uri="{BB962C8B-B14F-4D97-AF65-F5344CB8AC3E}">
+        <p14:creationId xmlns:p14="http://schemas.microsoft.com/office/powerpoint/2010/main" val="3737836695"/>
+      </p:ext>
+    </p:extLst>
+  </p:cSld>
+  <p:clrMapOvr>
+    <a:masterClrMapping/>
+  </p:clrMapOvr>
+</p:sld>
+</file>
+
 <file path=ppt/slides/slide3.xml><?xml version="1.0" encoding="utf-8"?>
 <p:sld xmlns:a="http://schemas.openxmlformats.org/drawingml/2006/main" xmlns:r="http://schemas.openxmlformats.org/officeDocument/2006/relationships" xmlns:p="http://schemas.openxmlformats.org/presentationml/2006/main">
   <p:cSld>
@@ -22838,15 +24566,21 @@
         </p:nvSpPr>
         <p:spPr/>
         <p:txBody>
-          <a:bodyPr/>
+          <a:bodyPr>
+            <a:normAutofit/>
+          </a:bodyPr>
           <a:lstStyle/>
           <a:p>
             <a:pPr marL="0" indent="0" algn="ctr">
               <a:buNone/>
             </a:pPr>
             <a:r>
+              <a:rPr lang="en-US" dirty="0"/>
+              <a:t>Can unemployment rates help to predict various</a:t>
+            </a:r>
+            <a:r>
               <a:rPr lang="en-US" sz="1800" dirty="0"/>
-              <a:t>What is the relationship between unemployment rate of Canada and economic and social metrics</a:t>
+              <a:t> economic and social metrics in Canada?</a:t>
             </a:r>
           </a:p>
         </p:txBody>
@@ -23980,7 +25714,7 @@
           <a:p>
             <a:r>
               <a:rPr lang="en-US" dirty="0"/>
-              <a:t>Do unemployment rate affect immigration in Canada?</a:t>
+              <a:t>Do unemployment rates affect immigration in Canada?</a:t>
             </a:r>
           </a:p>
         </p:txBody>

--- a/Unemployment Analysis Presentation - Group 2.pptx
+++ b/Unemployment Analysis Presentation - Group 2.pptx
@@ -5,7 +5,7 @@
     <p:sldMasterId id="2147483660" r:id="rId1"/>
   </p:sldMasterIdLst>
   <p:notesMasterIdLst>
-    <p:notesMasterId r:id="rId26"/>
+    <p:notesMasterId r:id="rId29"/>
   </p:notesMasterIdLst>
   <p:sldIdLst>
     <p:sldId id="256" r:id="rId2"/>
@@ -16,22 +16,25 @@
     <p:sldId id="261" r:id="rId7"/>
     <p:sldId id="263" r:id="rId8"/>
     <p:sldId id="262" r:id="rId9"/>
-    <p:sldId id="266" r:id="rId10"/>
-    <p:sldId id="267" r:id="rId11"/>
+    <p:sldId id="269" r:id="rId10"/>
+    <p:sldId id="266" r:id="rId11"/>
     <p:sldId id="268" r:id="rId12"/>
-    <p:sldId id="269" r:id="rId13"/>
+    <p:sldId id="267" r:id="rId13"/>
     <p:sldId id="270" r:id="rId14"/>
     <p:sldId id="271" r:id="rId15"/>
     <p:sldId id="274" r:id="rId16"/>
     <p:sldId id="273" r:id="rId17"/>
     <p:sldId id="275" r:id="rId18"/>
     <p:sldId id="276" r:id="rId19"/>
-    <p:sldId id="277" r:id="rId20"/>
+    <p:sldId id="286" r:id="rId20"/>
     <p:sldId id="264" r:id="rId21"/>
     <p:sldId id="265" r:id="rId22"/>
-    <p:sldId id="279" r:id="rId23"/>
-    <p:sldId id="280" r:id="rId24"/>
-    <p:sldId id="281" r:id="rId25"/>
+    <p:sldId id="284" r:id="rId23"/>
+    <p:sldId id="285" r:id="rId24"/>
+    <p:sldId id="283" r:id="rId25"/>
+    <p:sldId id="279" r:id="rId26"/>
+    <p:sldId id="280" r:id="rId27"/>
+    <p:sldId id="281" r:id="rId28"/>
   </p:sldIdLst>
   <p:sldSz cx="12192000" cy="6858000"/>
   <p:notesSz cx="6858000" cy="9144000"/>
@@ -1071,6 +1074,13 @@
     <dgm:pt modelId="{1527338C-5A61-ED4E-8DBE-0C84F652094E}" type="parTrans" cxnId="{DB249DC1-A5E4-F04D-AD09-A92CDCF145AF}">
       <dgm:prSet/>
       <dgm:spPr/>
+      <dgm:t>
+        <a:bodyPr/>
+        <a:lstStyle/>
+        <a:p>
+          <a:endParaRPr lang="en-GB"/>
+        </a:p>
+      </dgm:t>
     </dgm:pt>
     <dgm:pt modelId="{3B65991D-FB44-764E-B6DB-8F5D98705B81}" type="sibTrans" cxnId="{DB249DC1-A5E4-F04D-AD09-A92CDCF145AF}">
       <dgm:prSet/>
@@ -3762,6 +3772,90 @@
 </p:notes>
 </file>
 
+<file path=ppt/notesSlides/notesSlide4.xml><?xml version="1.0" encoding="utf-8"?>
+<p:notes xmlns:a="http://schemas.openxmlformats.org/drawingml/2006/main" xmlns:r="http://schemas.openxmlformats.org/officeDocument/2006/relationships" xmlns:p="http://schemas.openxmlformats.org/presentationml/2006/main">
+  <p:cSld>
+    <p:spTree>
+      <p:nvGrpSpPr>
+        <p:cNvPr id="1" name=""/>
+        <p:cNvGrpSpPr/>
+        <p:nvPr/>
+      </p:nvGrpSpPr>
+      <p:grpSpPr>
+        <a:xfrm>
+          <a:off x="0" y="0"/>
+          <a:ext cx="0" cy="0"/>
+          <a:chOff x="0" y="0"/>
+          <a:chExt cx="0" cy="0"/>
+        </a:xfrm>
+      </p:grpSpPr>
+      <p:sp>
+        <p:nvSpPr>
+          <p:cNvPr id="2" name="Slide Image Placeholder 1"/>
+          <p:cNvSpPr>
+            <a:spLocks noGrp="1" noRot="1" noChangeAspect="1"/>
+          </p:cNvSpPr>
+          <p:nvPr>
+            <p:ph type="sldImg"/>
+          </p:nvPr>
+        </p:nvSpPr>
+        <p:spPr/>
+      </p:sp>
+      <p:sp>
+        <p:nvSpPr>
+          <p:cNvPr id="3" name="Notes Placeholder 2"/>
+          <p:cNvSpPr>
+            <a:spLocks noGrp="1"/>
+          </p:cNvSpPr>
+          <p:nvPr>
+            <p:ph type="body" idx="1"/>
+          </p:nvPr>
+        </p:nvSpPr>
+        <p:spPr/>
+        <p:txBody>
+          <a:bodyPr/>
+          <a:lstStyle/>
+          <a:p>
+            <a:endParaRPr lang="en-US" dirty="0"/>
+          </a:p>
+        </p:txBody>
+      </p:sp>
+      <p:sp>
+        <p:nvSpPr>
+          <p:cNvPr id="4" name="Slide Number Placeholder 3"/>
+          <p:cNvSpPr>
+            <a:spLocks noGrp="1"/>
+          </p:cNvSpPr>
+          <p:nvPr>
+            <p:ph type="sldNum" sz="quarter" idx="5"/>
+          </p:nvPr>
+        </p:nvSpPr>
+        <p:spPr/>
+        <p:txBody>
+          <a:bodyPr/>
+          <a:lstStyle/>
+          <a:p>
+            <a:fld id="{621E9EE9-3A4D-DB43-8F8A-DEE4BB12CBD7}" type="slidenum">
+              <a:rPr lang="en-US" smtClean="0"/>
+              <a:t>23</a:t>
+            </a:fld>
+            <a:endParaRPr lang="en-US"/>
+          </a:p>
+        </p:txBody>
+      </p:sp>
+    </p:spTree>
+    <p:extLst>
+      <p:ext uri="{BB962C8B-B14F-4D97-AF65-F5344CB8AC3E}">
+        <p14:creationId xmlns:p14="http://schemas.microsoft.com/office/powerpoint/2010/main" val="2640598285"/>
+      </p:ext>
+    </p:extLst>
+  </p:cSld>
+  <p:clrMapOvr>
+    <a:masterClrMapping/>
+  </p:clrMapOvr>
+</p:notes>
+</file>
+
 <file path=ppt/slideLayouts/slideLayout1.xml><?xml version="1.0" encoding="utf-8"?>
 <p:sldLayout xmlns:a="http://schemas.openxmlformats.org/drawingml/2006/main" xmlns:r="http://schemas.openxmlformats.org/officeDocument/2006/relationships" xmlns:p="http://schemas.openxmlformats.org/presentationml/2006/main" type="title" preserve="1">
   <p:cSld name="Title Slide">
@@ -22375,7 +22469,7 @@
           <p:cNvPr id="2" name="Title 1">
             <a:extLst>
               <a:ext uri="{FF2B5EF4-FFF2-40B4-BE49-F238E27FC236}">
-                <a16:creationId xmlns:a16="http://schemas.microsoft.com/office/drawing/2014/main" id="{4C8FA851-8DF2-41AF-D8A6-4FDEB6CDCFA4}"/>
+                <a16:creationId xmlns:a16="http://schemas.microsoft.com/office/drawing/2014/main" id="{3EC0515A-7DA7-CF58-6B24-8792A209E3F1}"/>
               </a:ext>
             </a:extLst>
           </p:cNvPr>
@@ -22396,17 +22490,17 @@
             <a:pPr algn="l"/>
             <a:r>
               <a:rPr lang="en-US" dirty="0"/>
-              <a:t>Analysis</a:t>
+              <a:t>Data preparation</a:t>
             </a:r>
           </a:p>
         </p:txBody>
       </p:sp>
       <p:pic>
         <p:nvPicPr>
-          <p:cNvPr id="8" name="Picture 7" descr="A graph with blue dots and red line&#10;&#10;Description automatically generated">
+          <p:cNvPr id="4" name="Picture 3" descr="A screenshot of a computer&#10;&#10;Description automatically generated">
             <a:extLst>
               <a:ext uri="{FF2B5EF4-FFF2-40B4-BE49-F238E27FC236}">
-                <a16:creationId xmlns:a16="http://schemas.microsoft.com/office/drawing/2014/main" id="{1988D493-C2B3-1ADC-2849-2337CA87721A}"/>
+                <a16:creationId xmlns:a16="http://schemas.microsoft.com/office/drawing/2014/main" id="{B6BF3FA3-7F88-F989-B886-6EA1D9082025}"/>
               </a:ext>
             </a:extLst>
           </p:cNvPr>
@@ -22423,8 +22517,8 @@
         </p:blipFill>
         <p:spPr>
           <a:xfrm>
-            <a:off x="2209800" y="1484784"/>
-            <a:ext cx="7772400" cy="4663440"/>
+            <a:off x="487283" y="1124744"/>
+            <a:ext cx="11217434" cy="5040560"/>
           </a:xfrm>
           <a:prstGeom prst="rect">
             <a:avLst/>
@@ -22434,7 +22528,7 @@
     </p:spTree>
     <p:extLst>
       <p:ext uri="{BB962C8B-B14F-4D97-AF65-F5344CB8AC3E}">
-        <p14:creationId xmlns:p14="http://schemas.microsoft.com/office/powerpoint/2010/main" val="3607113417"/>
+        <p14:creationId xmlns:p14="http://schemas.microsoft.com/office/powerpoint/2010/main" val="3800217081"/>
       </p:ext>
     </p:extLst>
   </p:cSld>
@@ -22615,10 +22709,10 @@
       </p:sp>
       <p:pic>
         <p:nvPicPr>
-          <p:cNvPr id="4" name="Picture 3" descr="A graph of growth in canada&#10;&#10;Description automatically generated">
+          <p:cNvPr id="8" name="Picture 7" descr="A graph with blue dots and red line&#10;&#10;Description automatically generated">
             <a:extLst>
               <a:ext uri="{FF2B5EF4-FFF2-40B4-BE49-F238E27FC236}">
-                <a16:creationId xmlns:a16="http://schemas.microsoft.com/office/drawing/2014/main" id="{A4B2DCF1-4AD7-C8B3-11CA-21B70191F0F0}"/>
+                <a16:creationId xmlns:a16="http://schemas.microsoft.com/office/drawing/2014/main" id="{1988D493-C2B3-1ADC-2849-2337CA87721A}"/>
               </a:ext>
             </a:extLst>
           </p:cNvPr>
@@ -22635,8 +22729,38 @@
         </p:blipFill>
         <p:spPr>
           <a:xfrm>
-            <a:off x="2835300" y="1238250"/>
-            <a:ext cx="6521400" cy="4891050"/>
+            <a:off x="2209800" y="836712"/>
+            <a:ext cx="7772400" cy="4663440"/>
+          </a:xfrm>
+          <a:prstGeom prst="rect">
+            <a:avLst/>
+          </a:prstGeom>
+        </p:spPr>
+      </p:pic>
+      <p:pic>
+        <p:nvPicPr>
+          <p:cNvPr id="10" name="Picture 9">
+            <a:extLst>
+              <a:ext uri="{FF2B5EF4-FFF2-40B4-BE49-F238E27FC236}">
+                <a16:creationId xmlns:a16="http://schemas.microsoft.com/office/drawing/2014/main" id="{E87C94BB-FDC6-BC8C-AB35-0AC1A740FC8A}"/>
+              </a:ext>
+            </a:extLst>
+          </p:cNvPr>
+          <p:cNvPicPr>
+            <a:picLocks noChangeAspect="1"/>
+          </p:cNvPicPr>
+          <p:nvPr/>
+        </p:nvPicPr>
+        <p:blipFill>
+          <a:blip r:embed="rId3"/>
+          <a:stretch>
+            <a:fillRect/>
+          </a:stretch>
+        </p:blipFill>
+        <p:spPr>
+          <a:xfrm>
+            <a:off x="2209800" y="5661248"/>
+            <a:ext cx="7772400" cy="845052"/>
           </a:xfrm>
           <a:prstGeom prst="rect">
             <a:avLst/>
@@ -22646,7 +22770,7 @@
     </p:spTree>
     <p:extLst>
       <p:ext uri="{BB962C8B-B14F-4D97-AF65-F5344CB8AC3E}">
-        <p14:creationId xmlns:p14="http://schemas.microsoft.com/office/powerpoint/2010/main" val="4185664992"/>
+        <p14:creationId xmlns:p14="http://schemas.microsoft.com/office/powerpoint/2010/main" val="3607113417"/>
       </p:ext>
     </p:extLst>
   </p:cSld>
@@ -22691,12 +22815,14 @@
         </p:nvSpPr>
         <p:spPr/>
         <p:txBody>
-          <a:bodyPr/>
+          <a:bodyPr>
+            <a:normAutofit/>
+          </a:bodyPr>
           <a:lstStyle/>
           <a:p>
             <a:r>
               <a:rPr lang="en-US" dirty="0"/>
-              <a:t>Public Transit Revenue vs Unemployment Rate </a:t>
+              <a:t>Public Transit vs Unemployment Rates </a:t>
             </a:r>
           </a:p>
         </p:txBody>
@@ -22724,7 +22850,7 @@
           <a:p>
             <a:r>
               <a:rPr lang="en-US" dirty="0"/>
-              <a:t>Do unemployment rates affect public transit revenue in Canada?</a:t>
+              <a:t>Do unemployment rates affect public transit in Canada?</a:t>
             </a:r>
           </a:p>
         </p:txBody>
@@ -23192,10 +23318,10 @@
       </p:sp>
       <p:pic>
         <p:nvPicPr>
-          <p:cNvPr id="3" name="Picture 2">
+          <p:cNvPr id="4" name="Picture 3">
             <a:extLst>
               <a:ext uri="{FF2B5EF4-FFF2-40B4-BE49-F238E27FC236}">
-                <a16:creationId xmlns:a16="http://schemas.microsoft.com/office/drawing/2014/main" id="{280ABD7E-F5FE-B5B8-1390-5EEE26EE4BC2}"/>
+                <a16:creationId xmlns:a16="http://schemas.microsoft.com/office/drawing/2014/main" id="{19D92043-6750-F2CE-8968-56332C0F4236}"/>
               </a:ext>
             </a:extLst>
           </p:cNvPr>
@@ -23212,8 +23338,8 @@
         </p:blipFill>
         <p:spPr>
           <a:xfrm>
-            <a:off x="191344" y="2408225"/>
-            <a:ext cx="4800458" cy="2563781"/>
+            <a:off x="3680832" y="2480378"/>
+            <a:ext cx="4830336" cy="4204338"/>
           </a:xfrm>
           <a:prstGeom prst="rect">
             <a:avLst/>
@@ -23222,10 +23348,10 @@
       </p:pic>
       <p:pic>
         <p:nvPicPr>
-          <p:cNvPr id="4" name="Picture 3">
+          <p:cNvPr id="8" name="Picture 7" descr="A screenshot of a graph&#10;&#10;Description automatically generated">
             <a:extLst>
               <a:ext uri="{FF2B5EF4-FFF2-40B4-BE49-F238E27FC236}">
-                <a16:creationId xmlns:a16="http://schemas.microsoft.com/office/drawing/2014/main" id="{19D92043-6750-F2CE-8968-56332C0F4236}"/>
+                <a16:creationId xmlns:a16="http://schemas.microsoft.com/office/drawing/2014/main" id="{7D560DDF-F0B2-4EFA-7574-22A7E79B896C}"/>
               </a:ext>
             </a:extLst>
           </p:cNvPr>
@@ -23242,8 +23368,8 @@
         </p:blipFill>
         <p:spPr>
           <a:xfrm>
-            <a:off x="5227550" y="821718"/>
-            <a:ext cx="6590966" cy="5736795"/>
+            <a:off x="4871864" y="260648"/>
+            <a:ext cx="6768752" cy="2014806"/>
           </a:xfrm>
           <a:prstGeom prst="rect">
             <a:avLst/>
@@ -23308,10 +23434,40 @@
           </a:p>
         </p:txBody>
       </p:sp>
+      <p:pic>
+        <p:nvPicPr>
+          <p:cNvPr id="3" name="Picture 2" descr="A screenshot of a computer&#10;&#10;Description automatically generated">
+            <a:extLst>
+              <a:ext uri="{FF2B5EF4-FFF2-40B4-BE49-F238E27FC236}">
+                <a16:creationId xmlns:a16="http://schemas.microsoft.com/office/drawing/2014/main" id="{56272ABB-80D5-A63A-EBD8-5D8BA4A8AAD1}"/>
+              </a:ext>
+            </a:extLst>
+          </p:cNvPr>
+          <p:cNvPicPr>
+            <a:picLocks noChangeAspect="1"/>
+          </p:cNvPicPr>
+          <p:nvPr/>
+        </p:nvPicPr>
+        <p:blipFill>
+          <a:blip r:embed="rId2"/>
+          <a:stretch>
+            <a:fillRect/>
+          </a:stretch>
+        </p:blipFill>
+        <p:spPr>
+          <a:xfrm>
+            <a:off x="367761" y="1700808"/>
+            <a:ext cx="11456478" cy="3456384"/>
+          </a:xfrm>
+          <a:prstGeom prst="rect">
+            <a:avLst/>
+          </a:prstGeom>
+        </p:spPr>
+      </p:pic>
     </p:spTree>
     <p:extLst>
       <p:ext uri="{BB962C8B-B14F-4D97-AF65-F5344CB8AC3E}">
-        <p14:creationId xmlns:p14="http://schemas.microsoft.com/office/powerpoint/2010/main" val="4229505527"/>
+        <p14:creationId xmlns:p14="http://schemas.microsoft.com/office/powerpoint/2010/main" val="1388011069"/>
       </p:ext>
     </p:extLst>
   </p:cSld>
@@ -23521,7 +23677,7 @@
           <a:p>
             <a:r>
               <a:rPr lang="en-US" dirty="0"/>
-              <a:t>Public Transit Revenue vs Unemployment Rate </a:t>
+              <a:t>Household Spending vs Unemployment Rates </a:t>
             </a:r>
           </a:p>
         </p:txBody>
@@ -23549,7 +23705,7 @@
           <a:p>
             <a:r>
               <a:rPr lang="en-US" dirty="0"/>
-              <a:t>Do unemployment rates affect public transit revenue in Canada?</a:t>
+              <a:t>Do unemployment rates affect household spending in Canada?</a:t>
             </a:r>
           </a:p>
           <a:p>
@@ -23610,10 +23766,73 @@
           </a:bodyPr>
           <a:lstStyle/>
           <a:p>
-            <a:endParaRPr lang="en-US"/>
+            <a:r>
+              <a:rPr lang="en-US" dirty="0"/>
+              <a:t>Data Preparation</a:t>
+            </a:r>
           </a:p>
         </p:txBody>
       </p:sp>
+      <p:pic>
+        <p:nvPicPr>
+          <p:cNvPr id="4" name="Picture 3" descr="A screenshot of a black screen&#10;&#10;Description automatically generated">
+            <a:extLst>
+              <a:ext uri="{FF2B5EF4-FFF2-40B4-BE49-F238E27FC236}">
+                <a16:creationId xmlns:a16="http://schemas.microsoft.com/office/drawing/2014/main" id="{70B5D598-991F-3334-82D5-849D6BA40051}"/>
+              </a:ext>
+            </a:extLst>
+          </p:cNvPr>
+          <p:cNvPicPr>
+            <a:picLocks noChangeAspect="1"/>
+          </p:cNvPicPr>
+          <p:nvPr/>
+        </p:nvPicPr>
+        <p:blipFill>
+          <a:blip r:embed="rId2"/>
+          <a:stretch>
+            <a:fillRect/>
+          </a:stretch>
+        </p:blipFill>
+        <p:spPr>
+          <a:xfrm>
+            <a:off x="578837" y="1340768"/>
+            <a:ext cx="11034327" cy="1656184"/>
+          </a:xfrm>
+          <a:prstGeom prst="rect">
+            <a:avLst/>
+          </a:prstGeom>
+        </p:spPr>
+      </p:pic>
+      <p:pic>
+        <p:nvPicPr>
+          <p:cNvPr id="6" name="Picture 5" descr="A screenshot of a black screen&#10;&#10;Description automatically generated">
+            <a:extLst>
+              <a:ext uri="{FF2B5EF4-FFF2-40B4-BE49-F238E27FC236}">
+                <a16:creationId xmlns:a16="http://schemas.microsoft.com/office/drawing/2014/main" id="{D67BDC3F-9AC1-BB4F-CF20-1B120C14A1EE}"/>
+              </a:ext>
+            </a:extLst>
+          </p:cNvPr>
+          <p:cNvPicPr>
+            <a:picLocks noChangeAspect="1"/>
+          </p:cNvPicPr>
+          <p:nvPr/>
+        </p:nvPicPr>
+        <p:blipFill>
+          <a:blip r:embed="rId3"/>
+          <a:stretch>
+            <a:fillRect/>
+          </a:stretch>
+        </p:blipFill>
+        <p:spPr>
+          <a:xfrm>
+            <a:off x="578836" y="3429000"/>
+            <a:ext cx="10973493" cy="2592288"/>
+          </a:xfrm>
+          <a:prstGeom prst="rect">
+            <a:avLst/>
+          </a:prstGeom>
+        </p:spPr>
+      </p:pic>
     </p:spTree>
     <p:extLst>
       <p:ext uri="{BB962C8B-B14F-4D97-AF65-F5344CB8AC3E}">
@@ -23649,6 +23868,976 @@
           <p:cNvPr id="2" name="Title 1">
             <a:extLst>
               <a:ext uri="{FF2B5EF4-FFF2-40B4-BE49-F238E27FC236}">
+                <a16:creationId xmlns:a16="http://schemas.microsoft.com/office/drawing/2014/main" id="{495A21F7-3D5A-9360-D1D5-D652BDE9B45B}"/>
+              </a:ext>
+            </a:extLst>
+          </p:cNvPr>
+          <p:cNvSpPr>
+            <a:spLocks noGrp="1"/>
+          </p:cNvSpPr>
+          <p:nvPr>
+            <p:ph type="title"/>
+          </p:nvPr>
+        </p:nvSpPr>
+        <p:spPr/>
+        <p:txBody>
+          <a:bodyPr>
+            <a:normAutofit fontScale="90000"/>
+          </a:bodyPr>
+          <a:lstStyle/>
+          <a:p>
+            <a:r>
+              <a:rPr lang="en-US" dirty="0"/>
+              <a:t>Analysis</a:t>
+            </a:r>
+          </a:p>
+        </p:txBody>
+      </p:sp>
+      <p:pic>
+        <p:nvPicPr>
+          <p:cNvPr id="4" name="Picture 3" descr="A graph of a graph of unemployment&#10;&#10;Description automatically generated with medium confidence">
+            <a:extLst>
+              <a:ext uri="{FF2B5EF4-FFF2-40B4-BE49-F238E27FC236}">
+                <a16:creationId xmlns:a16="http://schemas.microsoft.com/office/drawing/2014/main" id="{71EB743E-B848-3D11-C638-CCDBAB1144C4}"/>
+              </a:ext>
+            </a:extLst>
+          </p:cNvPr>
+          <p:cNvPicPr>
+            <a:picLocks noChangeAspect="1"/>
+          </p:cNvPicPr>
+          <p:nvPr/>
+        </p:nvPicPr>
+        <p:blipFill>
+          <a:blip r:embed="rId2"/>
+          <a:stretch>
+            <a:fillRect/>
+          </a:stretch>
+        </p:blipFill>
+        <p:spPr>
+          <a:xfrm>
+            <a:off x="402692" y="1645115"/>
+            <a:ext cx="11386616" cy="4096706"/>
+          </a:xfrm>
+          <a:prstGeom prst="rect">
+            <a:avLst/>
+          </a:prstGeom>
+        </p:spPr>
+      </p:pic>
+    </p:spTree>
+    <p:extLst>
+      <p:ext uri="{BB962C8B-B14F-4D97-AF65-F5344CB8AC3E}">
+        <p14:creationId xmlns:p14="http://schemas.microsoft.com/office/powerpoint/2010/main" val="183229609"/>
+      </p:ext>
+    </p:extLst>
+  </p:cSld>
+  <p:clrMapOvr>
+    <a:masterClrMapping/>
+  </p:clrMapOvr>
+</p:sld>
+</file>
+
+<file path=ppt/slides/slide23.xml><?xml version="1.0" encoding="utf-8"?>
+<p:sld xmlns:a="http://schemas.openxmlformats.org/drawingml/2006/main" xmlns:r="http://schemas.openxmlformats.org/officeDocument/2006/relationships" xmlns:p="http://schemas.openxmlformats.org/presentationml/2006/main">
+  <p:cSld>
+    <p:spTree>
+      <p:nvGrpSpPr>
+        <p:cNvPr id="1" name=""/>
+        <p:cNvGrpSpPr/>
+        <p:nvPr/>
+      </p:nvGrpSpPr>
+      <p:grpSpPr>
+        <a:xfrm>
+          <a:off x="0" y="0"/>
+          <a:ext cx="0" cy="0"/>
+          <a:chOff x="0" y="0"/>
+          <a:chExt cx="0" cy="0"/>
+        </a:xfrm>
+      </p:grpSpPr>
+      <p:sp>
+        <p:nvSpPr>
+          <p:cNvPr id="2" name="Title 1">
+            <a:extLst>
+              <a:ext uri="{FF2B5EF4-FFF2-40B4-BE49-F238E27FC236}">
+                <a16:creationId xmlns:a16="http://schemas.microsoft.com/office/drawing/2014/main" id="{495A21F7-3D5A-9360-D1D5-D652BDE9B45B}"/>
+              </a:ext>
+            </a:extLst>
+          </p:cNvPr>
+          <p:cNvSpPr>
+            <a:spLocks noGrp="1"/>
+          </p:cNvSpPr>
+          <p:nvPr>
+            <p:ph type="title"/>
+          </p:nvPr>
+        </p:nvSpPr>
+        <p:spPr/>
+        <p:txBody>
+          <a:bodyPr>
+            <a:normAutofit fontScale="90000"/>
+          </a:bodyPr>
+          <a:lstStyle/>
+          <a:p>
+            <a:r>
+              <a:rPr lang="en-US" dirty="0"/>
+              <a:t>Analysis</a:t>
+            </a:r>
+          </a:p>
+        </p:txBody>
+      </p:sp>
+      <p:pic>
+        <p:nvPicPr>
+          <p:cNvPr id="5" name="Picture 4" descr="A graph of unemployment rate&#10;&#10;Description automatically generated">
+            <a:extLst>
+              <a:ext uri="{FF2B5EF4-FFF2-40B4-BE49-F238E27FC236}">
+                <a16:creationId xmlns:a16="http://schemas.microsoft.com/office/drawing/2014/main" id="{68A60C07-9691-8EA8-7656-8C35100EEA66}"/>
+              </a:ext>
+            </a:extLst>
+          </p:cNvPr>
+          <p:cNvPicPr>
+            <a:picLocks noChangeAspect="1"/>
+          </p:cNvPicPr>
+          <p:nvPr/>
+        </p:nvPicPr>
+        <p:blipFill>
+          <a:blip r:embed="rId3"/>
+          <a:stretch>
+            <a:fillRect/>
+          </a:stretch>
+        </p:blipFill>
+        <p:spPr>
+          <a:xfrm>
+            <a:off x="4929279" y="1484784"/>
+            <a:ext cx="2134238" cy="1480344"/>
+          </a:xfrm>
+          <a:prstGeom prst="rect">
+            <a:avLst/>
+          </a:prstGeom>
+        </p:spPr>
+      </p:pic>
+      <p:pic>
+        <p:nvPicPr>
+          <p:cNvPr id="7" name="Picture 6" descr="A graph with a red line and blue dots&#10;&#10;Description automatically generated">
+            <a:extLst>
+              <a:ext uri="{FF2B5EF4-FFF2-40B4-BE49-F238E27FC236}">
+                <a16:creationId xmlns:a16="http://schemas.microsoft.com/office/drawing/2014/main" id="{4E3EFF77-7BBF-DB59-D4D4-C47AE31313AC}"/>
+              </a:ext>
+            </a:extLst>
+          </p:cNvPr>
+          <p:cNvPicPr>
+            <a:picLocks noChangeAspect="1"/>
+          </p:cNvPicPr>
+          <p:nvPr/>
+        </p:nvPicPr>
+        <p:blipFill>
+          <a:blip r:embed="rId4"/>
+          <a:stretch>
+            <a:fillRect/>
+          </a:stretch>
+        </p:blipFill>
+        <p:spPr>
+          <a:xfrm>
+            <a:off x="2642035" y="1484784"/>
+            <a:ext cx="1948060" cy="1480344"/>
+          </a:xfrm>
+          <a:prstGeom prst="rect">
+            <a:avLst/>
+          </a:prstGeom>
+        </p:spPr>
+      </p:pic>
+      <p:pic>
+        <p:nvPicPr>
+          <p:cNvPr id="9" name="Picture 8" descr="A graph of a graph with blue dots and red lines&#10;&#10;Description automatically generated">
+            <a:extLst>
+              <a:ext uri="{FF2B5EF4-FFF2-40B4-BE49-F238E27FC236}">
+                <a16:creationId xmlns:a16="http://schemas.microsoft.com/office/drawing/2014/main" id="{814FB7BB-D2EC-655A-3110-289BB293C11E}"/>
+              </a:ext>
+            </a:extLst>
+          </p:cNvPr>
+          <p:cNvPicPr>
+            <a:picLocks noChangeAspect="1"/>
+          </p:cNvPicPr>
+          <p:nvPr/>
+        </p:nvPicPr>
+        <p:blipFill>
+          <a:blip r:embed="rId5"/>
+          <a:stretch>
+            <a:fillRect/>
+          </a:stretch>
+        </p:blipFill>
+        <p:spPr>
+          <a:xfrm>
+            <a:off x="9739894" y="1484784"/>
+            <a:ext cx="2288630" cy="1480344"/>
+          </a:xfrm>
+          <a:prstGeom prst="rect">
+            <a:avLst/>
+          </a:prstGeom>
+        </p:spPr>
+      </p:pic>
+      <p:pic>
+        <p:nvPicPr>
+          <p:cNvPr id="11" name="Picture 10" descr="A graph of a relationship between unemployment and recreation&#10;&#10;Description automatically generated">
+            <a:extLst>
+              <a:ext uri="{FF2B5EF4-FFF2-40B4-BE49-F238E27FC236}">
+                <a16:creationId xmlns:a16="http://schemas.microsoft.com/office/drawing/2014/main" id="{94B29BA3-3FDB-11F8-1C8D-FE2DBC10E477}"/>
+              </a:ext>
+            </a:extLst>
+          </p:cNvPr>
+          <p:cNvPicPr>
+            <a:picLocks noChangeAspect="1"/>
+          </p:cNvPicPr>
+          <p:nvPr/>
+        </p:nvPicPr>
+        <p:blipFill>
+          <a:blip r:embed="rId6"/>
+          <a:stretch>
+            <a:fillRect/>
+          </a:stretch>
+        </p:blipFill>
+        <p:spPr>
+          <a:xfrm>
+            <a:off x="7402701" y="1484784"/>
+            <a:ext cx="1998010" cy="1480344"/>
+          </a:xfrm>
+          <a:prstGeom prst="rect">
+            <a:avLst/>
+          </a:prstGeom>
+        </p:spPr>
+      </p:pic>
+      <p:pic>
+        <p:nvPicPr>
+          <p:cNvPr id="13" name="Picture 12" descr="A graph of unemployment rate&#10;&#10;Description automatically generated">
+            <a:extLst>
+              <a:ext uri="{FF2B5EF4-FFF2-40B4-BE49-F238E27FC236}">
+                <a16:creationId xmlns:a16="http://schemas.microsoft.com/office/drawing/2014/main" id="{8387CFC8-CD4E-F5C7-0067-3E2CB20926D5}"/>
+              </a:ext>
+            </a:extLst>
+          </p:cNvPr>
+          <p:cNvPicPr>
+            <a:picLocks noChangeAspect="1"/>
+          </p:cNvPicPr>
+          <p:nvPr/>
+        </p:nvPicPr>
+        <p:blipFill>
+          <a:blip r:embed="rId7"/>
+          <a:stretch>
+            <a:fillRect/>
+          </a:stretch>
+        </p:blipFill>
+        <p:spPr>
+          <a:xfrm>
+            <a:off x="50548" y="1484784"/>
+            <a:ext cx="2252303" cy="1480344"/>
+          </a:xfrm>
+          <a:prstGeom prst="rect">
+            <a:avLst/>
+          </a:prstGeom>
+        </p:spPr>
+      </p:pic>
+      <p:pic>
+        <p:nvPicPr>
+          <p:cNvPr id="15" name="Picture 14" descr="A graph of unemployment rate&#10;&#10;Description automatically generated">
+            <a:extLst>
+              <a:ext uri="{FF2B5EF4-FFF2-40B4-BE49-F238E27FC236}">
+                <a16:creationId xmlns:a16="http://schemas.microsoft.com/office/drawing/2014/main" id="{555250DF-B3DC-E7AD-7C47-A00B77E2321B}"/>
+              </a:ext>
+            </a:extLst>
+          </p:cNvPr>
+          <p:cNvPicPr>
+            <a:picLocks noChangeAspect="1"/>
+          </p:cNvPicPr>
+          <p:nvPr/>
+        </p:nvPicPr>
+        <p:blipFill>
+          <a:blip r:embed="rId8"/>
+          <a:stretch>
+            <a:fillRect/>
+          </a:stretch>
+        </p:blipFill>
+        <p:spPr>
+          <a:xfrm>
+            <a:off x="5058354" y="4389903"/>
+            <a:ext cx="1876088" cy="1301287"/>
+          </a:xfrm>
+          <a:prstGeom prst="rect">
+            <a:avLst/>
+          </a:prstGeom>
+        </p:spPr>
+      </p:pic>
+      <p:pic>
+        <p:nvPicPr>
+          <p:cNvPr id="17" name="Picture 16" descr="A graph with blue dots and red line&#10;&#10;Description automatically generated">
+            <a:extLst>
+              <a:ext uri="{FF2B5EF4-FFF2-40B4-BE49-F238E27FC236}">
+                <a16:creationId xmlns:a16="http://schemas.microsoft.com/office/drawing/2014/main" id="{7E082E15-4D51-A2CD-7B24-F6BD9A20071F}"/>
+              </a:ext>
+            </a:extLst>
+          </p:cNvPr>
+          <p:cNvPicPr>
+            <a:picLocks noChangeAspect="1"/>
+          </p:cNvPicPr>
+          <p:nvPr/>
+        </p:nvPicPr>
+        <p:blipFill>
+          <a:blip r:embed="rId9"/>
+          <a:stretch>
+            <a:fillRect/>
+          </a:stretch>
+        </p:blipFill>
+        <p:spPr>
+          <a:xfrm>
+            <a:off x="2739893" y="4389903"/>
+            <a:ext cx="1752345" cy="1301286"/>
+          </a:xfrm>
+          <a:prstGeom prst="rect">
+            <a:avLst/>
+          </a:prstGeom>
+        </p:spPr>
+      </p:pic>
+      <p:pic>
+        <p:nvPicPr>
+          <p:cNvPr id="19" name="Picture 18" descr="A graph with blue dots and red line&#10;&#10;Description automatically generated">
+            <a:extLst>
+              <a:ext uri="{FF2B5EF4-FFF2-40B4-BE49-F238E27FC236}">
+                <a16:creationId xmlns:a16="http://schemas.microsoft.com/office/drawing/2014/main" id="{4AF492A7-6B44-8EB2-3387-F75C02D62535}"/>
+              </a:ext>
+            </a:extLst>
+          </p:cNvPr>
+          <p:cNvPicPr>
+            <a:picLocks noChangeAspect="1"/>
+          </p:cNvPicPr>
+          <p:nvPr/>
+        </p:nvPicPr>
+        <p:blipFill>
+          <a:blip r:embed="rId10"/>
+          <a:stretch>
+            <a:fillRect/>
+          </a:stretch>
+        </p:blipFill>
+        <p:spPr>
+          <a:xfrm>
+            <a:off x="9842382" y="4389904"/>
+            <a:ext cx="2083654" cy="1301285"/>
+          </a:xfrm>
+          <a:prstGeom prst="rect">
+            <a:avLst/>
+          </a:prstGeom>
+        </p:spPr>
+      </p:pic>
+      <p:pic>
+        <p:nvPicPr>
+          <p:cNvPr id="21" name="Picture 20" descr="A red line with blue dots and numbers&#10;&#10;Description automatically generated">
+            <a:extLst>
+              <a:ext uri="{FF2B5EF4-FFF2-40B4-BE49-F238E27FC236}">
+                <a16:creationId xmlns:a16="http://schemas.microsoft.com/office/drawing/2014/main" id="{0D88F8AC-5CCC-CCF9-E6B1-F9846259376F}"/>
+              </a:ext>
+            </a:extLst>
+          </p:cNvPr>
+          <p:cNvPicPr>
+            <a:picLocks noChangeAspect="1"/>
+          </p:cNvPicPr>
+          <p:nvPr/>
+        </p:nvPicPr>
+        <p:blipFill>
+          <a:blip r:embed="rId11"/>
+          <a:stretch>
+            <a:fillRect/>
+          </a:stretch>
+        </p:blipFill>
+        <p:spPr>
+          <a:xfrm>
+            <a:off x="7491604" y="4389903"/>
+            <a:ext cx="1820204" cy="1301286"/>
+          </a:xfrm>
+          <a:prstGeom prst="rect">
+            <a:avLst/>
+          </a:prstGeom>
+        </p:spPr>
+      </p:pic>
+      <p:pic>
+        <p:nvPicPr>
+          <p:cNvPr id="23" name="Picture 22" descr="A graph of unemployment rate&#10;&#10;Description automatically generated">
+            <a:extLst>
+              <a:ext uri="{FF2B5EF4-FFF2-40B4-BE49-F238E27FC236}">
+                <a16:creationId xmlns:a16="http://schemas.microsoft.com/office/drawing/2014/main" id="{6DE30ADC-A199-4138-E753-03CE7C2B1C45}"/>
+              </a:ext>
+            </a:extLst>
+          </p:cNvPr>
+          <p:cNvPicPr>
+            <a:picLocks noChangeAspect="1"/>
+          </p:cNvPicPr>
+          <p:nvPr/>
+        </p:nvPicPr>
+        <p:blipFill>
+          <a:blip r:embed="rId12"/>
+          <a:stretch>
+            <a:fillRect/>
+          </a:stretch>
+        </p:blipFill>
+        <p:spPr>
+          <a:xfrm>
+            <a:off x="150839" y="4389903"/>
+            <a:ext cx="2051721" cy="1301287"/>
+          </a:xfrm>
+          <a:prstGeom prst="rect">
+            <a:avLst/>
+          </a:prstGeom>
+        </p:spPr>
+      </p:pic>
+      <p:sp>
+        <p:nvSpPr>
+          <p:cNvPr id="24" name="TextBox 23">
+            <a:extLst>
+              <a:ext uri="{FF2B5EF4-FFF2-40B4-BE49-F238E27FC236}">
+                <a16:creationId xmlns:a16="http://schemas.microsoft.com/office/drawing/2014/main" id="{BD09301F-DC61-B0D0-CDB8-4577AC21429F}"/>
+              </a:ext>
+            </a:extLst>
+          </p:cNvPr>
+          <p:cNvSpPr txBox="1"/>
+          <p:nvPr/>
+        </p:nvSpPr>
+        <p:spPr>
+          <a:xfrm>
+            <a:off x="50548" y="1023981"/>
+            <a:ext cx="2335832" cy="369332"/>
+          </a:xfrm>
+          <a:prstGeom prst="rect">
+            <a:avLst/>
+          </a:prstGeom>
+          <a:noFill/>
+        </p:spPr>
+        <p:txBody>
+          <a:bodyPr wrap="none" rtlCol="0">
+            <a:spAutoFit/>
+          </a:bodyPr>
+          <a:lstStyle/>
+          <a:p>
+            <a:r>
+              <a:rPr lang="en-US" dirty="0"/>
+              <a:t>With COVID-19 data</a:t>
+            </a:r>
+          </a:p>
+        </p:txBody>
+      </p:sp>
+      <p:sp>
+        <p:nvSpPr>
+          <p:cNvPr id="25" name="TextBox 24">
+            <a:extLst>
+              <a:ext uri="{FF2B5EF4-FFF2-40B4-BE49-F238E27FC236}">
+                <a16:creationId xmlns:a16="http://schemas.microsoft.com/office/drawing/2014/main" id="{FC792822-CEEB-D54E-37EA-1286570A086C}"/>
+              </a:ext>
+            </a:extLst>
+          </p:cNvPr>
+          <p:cNvSpPr txBox="1"/>
+          <p:nvPr/>
+        </p:nvSpPr>
+        <p:spPr>
+          <a:xfrm>
+            <a:off x="47189" y="3908695"/>
+            <a:ext cx="2667653" cy="369332"/>
+          </a:xfrm>
+          <a:prstGeom prst="rect">
+            <a:avLst/>
+          </a:prstGeom>
+          <a:noFill/>
+        </p:spPr>
+        <p:txBody>
+          <a:bodyPr wrap="none" rtlCol="0">
+            <a:spAutoFit/>
+          </a:bodyPr>
+          <a:lstStyle/>
+          <a:p>
+            <a:r>
+              <a:rPr lang="en-US" dirty="0"/>
+              <a:t>Without COVID-19 data</a:t>
+            </a:r>
+          </a:p>
+        </p:txBody>
+      </p:sp>
+      <p:sp>
+        <p:nvSpPr>
+          <p:cNvPr id="26" name="Oval 25">
+            <a:extLst>
+              <a:ext uri="{FF2B5EF4-FFF2-40B4-BE49-F238E27FC236}">
+                <a16:creationId xmlns:a16="http://schemas.microsoft.com/office/drawing/2014/main" id="{263317B6-BFB5-22CB-B760-424F042FFFF1}"/>
+              </a:ext>
+            </a:extLst>
+          </p:cNvPr>
+          <p:cNvSpPr/>
+          <p:nvPr/>
+        </p:nvSpPr>
+        <p:spPr>
+          <a:xfrm>
+            <a:off x="1847528" y="1556792"/>
+            <a:ext cx="134134" cy="147547"/>
+          </a:xfrm>
+          <a:prstGeom prst="ellipse">
+            <a:avLst/>
+          </a:prstGeom>
+          <a:noFill/>
+          <a:ln>
+            <a:solidFill>
+              <a:srgbClr val="FF0000"/>
+            </a:solidFill>
+          </a:ln>
+        </p:spPr>
+        <p:style>
+          <a:lnRef idx="2">
+            <a:schemeClr val="accent1">
+              <a:shade val="15000"/>
+            </a:schemeClr>
+          </a:lnRef>
+          <a:fillRef idx="1">
+            <a:schemeClr val="accent1"/>
+          </a:fillRef>
+          <a:effectRef idx="0">
+            <a:schemeClr val="accent1"/>
+          </a:effectRef>
+          <a:fontRef idx="minor">
+            <a:schemeClr val="lt1"/>
+          </a:fontRef>
+        </p:style>
+        <p:txBody>
+          <a:bodyPr rtlCol="0" anchor="ctr"/>
+          <a:lstStyle/>
+          <a:p>
+            <a:pPr algn="ctr"/>
+            <a:endParaRPr lang="en-US"/>
+          </a:p>
+        </p:txBody>
+      </p:sp>
+      <p:sp>
+        <p:nvSpPr>
+          <p:cNvPr id="27" name="Oval 26">
+            <a:extLst>
+              <a:ext uri="{FF2B5EF4-FFF2-40B4-BE49-F238E27FC236}">
+                <a16:creationId xmlns:a16="http://schemas.microsoft.com/office/drawing/2014/main" id="{D9A846E5-985F-B135-8A8F-E8C258CEEF6E}"/>
+              </a:ext>
+            </a:extLst>
+          </p:cNvPr>
+          <p:cNvSpPr/>
+          <p:nvPr/>
+        </p:nvSpPr>
+        <p:spPr>
+          <a:xfrm>
+            <a:off x="4386872" y="1779522"/>
+            <a:ext cx="134134" cy="134134"/>
+          </a:xfrm>
+          <a:prstGeom prst="ellipse">
+            <a:avLst/>
+          </a:prstGeom>
+          <a:noFill/>
+          <a:ln>
+            <a:solidFill>
+              <a:srgbClr val="FF0000"/>
+            </a:solidFill>
+          </a:ln>
+        </p:spPr>
+        <p:style>
+          <a:lnRef idx="2">
+            <a:schemeClr val="accent1">
+              <a:shade val="15000"/>
+            </a:schemeClr>
+          </a:lnRef>
+          <a:fillRef idx="1">
+            <a:schemeClr val="accent1"/>
+          </a:fillRef>
+          <a:effectRef idx="0">
+            <a:schemeClr val="accent1"/>
+          </a:effectRef>
+          <a:fontRef idx="minor">
+            <a:schemeClr val="lt1"/>
+          </a:fontRef>
+        </p:style>
+        <p:txBody>
+          <a:bodyPr rtlCol="0" anchor="ctr"/>
+          <a:lstStyle/>
+          <a:p>
+            <a:pPr algn="ctr"/>
+            <a:endParaRPr lang="en-US"/>
+          </a:p>
+        </p:txBody>
+      </p:sp>
+      <p:sp>
+        <p:nvSpPr>
+          <p:cNvPr id="28" name="Oval 27">
+            <a:extLst>
+              <a:ext uri="{FF2B5EF4-FFF2-40B4-BE49-F238E27FC236}">
+                <a16:creationId xmlns:a16="http://schemas.microsoft.com/office/drawing/2014/main" id="{8DC3C306-93FC-DE76-2367-7955B361D8A1}"/>
+              </a:ext>
+            </a:extLst>
+          </p:cNvPr>
+          <p:cNvSpPr/>
+          <p:nvPr/>
+        </p:nvSpPr>
+        <p:spPr>
+          <a:xfrm>
+            <a:off x="6672064" y="1563920"/>
+            <a:ext cx="134134" cy="147547"/>
+          </a:xfrm>
+          <a:prstGeom prst="ellipse">
+            <a:avLst/>
+          </a:prstGeom>
+          <a:noFill/>
+          <a:ln>
+            <a:solidFill>
+              <a:srgbClr val="FF0000"/>
+            </a:solidFill>
+          </a:ln>
+        </p:spPr>
+        <p:style>
+          <a:lnRef idx="2">
+            <a:schemeClr val="accent1">
+              <a:shade val="15000"/>
+            </a:schemeClr>
+          </a:lnRef>
+          <a:fillRef idx="1">
+            <a:schemeClr val="accent1"/>
+          </a:fillRef>
+          <a:effectRef idx="0">
+            <a:schemeClr val="accent1"/>
+          </a:effectRef>
+          <a:fontRef idx="minor">
+            <a:schemeClr val="lt1"/>
+          </a:fontRef>
+        </p:style>
+        <p:txBody>
+          <a:bodyPr rtlCol="0" anchor="ctr"/>
+          <a:lstStyle/>
+          <a:p>
+            <a:pPr algn="ctr"/>
+            <a:endParaRPr lang="en-US"/>
+          </a:p>
+        </p:txBody>
+      </p:sp>
+      <p:sp>
+        <p:nvSpPr>
+          <p:cNvPr id="29" name="Oval 28">
+            <a:extLst>
+              <a:ext uri="{FF2B5EF4-FFF2-40B4-BE49-F238E27FC236}">
+                <a16:creationId xmlns:a16="http://schemas.microsoft.com/office/drawing/2014/main" id="{A5E84EB8-F3CD-C54B-D274-9608B42C9540}"/>
+              </a:ext>
+            </a:extLst>
+          </p:cNvPr>
+          <p:cNvSpPr/>
+          <p:nvPr/>
+        </p:nvSpPr>
+        <p:spPr>
+          <a:xfrm>
+            <a:off x="9120336" y="1985309"/>
+            <a:ext cx="134134" cy="147547"/>
+          </a:xfrm>
+          <a:prstGeom prst="ellipse">
+            <a:avLst/>
+          </a:prstGeom>
+          <a:noFill/>
+          <a:ln>
+            <a:solidFill>
+              <a:srgbClr val="FF0000"/>
+            </a:solidFill>
+          </a:ln>
+        </p:spPr>
+        <p:style>
+          <a:lnRef idx="2">
+            <a:schemeClr val="accent1">
+              <a:shade val="15000"/>
+            </a:schemeClr>
+          </a:lnRef>
+          <a:fillRef idx="1">
+            <a:schemeClr val="accent1"/>
+          </a:fillRef>
+          <a:effectRef idx="0">
+            <a:schemeClr val="accent1"/>
+          </a:effectRef>
+          <a:fontRef idx="minor">
+            <a:schemeClr val="lt1"/>
+          </a:fontRef>
+        </p:style>
+        <p:txBody>
+          <a:bodyPr rtlCol="0" anchor="ctr"/>
+          <a:lstStyle/>
+          <a:p>
+            <a:pPr algn="ctr"/>
+            <a:endParaRPr lang="en-US"/>
+          </a:p>
+        </p:txBody>
+      </p:sp>
+      <p:sp>
+        <p:nvSpPr>
+          <p:cNvPr id="30" name="Oval 29">
+            <a:extLst>
+              <a:ext uri="{FF2B5EF4-FFF2-40B4-BE49-F238E27FC236}">
+                <a16:creationId xmlns:a16="http://schemas.microsoft.com/office/drawing/2014/main" id="{A1BEDD37-7913-653F-89FE-973455E65F74}"/>
+              </a:ext>
+            </a:extLst>
+          </p:cNvPr>
+          <p:cNvSpPr/>
+          <p:nvPr/>
+        </p:nvSpPr>
+        <p:spPr>
+          <a:xfrm>
+            <a:off x="11568608" y="2636912"/>
+            <a:ext cx="134134" cy="147547"/>
+          </a:xfrm>
+          <a:prstGeom prst="ellipse">
+            <a:avLst/>
+          </a:prstGeom>
+          <a:noFill/>
+          <a:ln>
+            <a:solidFill>
+              <a:srgbClr val="FF0000"/>
+            </a:solidFill>
+          </a:ln>
+        </p:spPr>
+        <p:style>
+          <a:lnRef idx="2">
+            <a:schemeClr val="accent1">
+              <a:shade val="15000"/>
+            </a:schemeClr>
+          </a:lnRef>
+          <a:fillRef idx="1">
+            <a:schemeClr val="accent1"/>
+          </a:fillRef>
+          <a:effectRef idx="0">
+            <a:schemeClr val="accent1"/>
+          </a:effectRef>
+          <a:fontRef idx="minor">
+            <a:schemeClr val="lt1"/>
+          </a:fontRef>
+        </p:style>
+        <p:txBody>
+          <a:bodyPr rtlCol="0" anchor="ctr"/>
+          <a:lstStyle/>
+          <a:p>
+            <a:pPr algn="ctr"/>
+            <a:endParaRPr lang="en-US"/>
+          </a:p>
+        </p:txBody>
+      </p:sp>
+    </p:spTree>
+    <p:extLst>
+      <p:ext uri="{BB962C8B-B14F-4D97-AF65-F5344CB8AC3E}">
+        <p14:creationId xmlns:p14="http://schemas.microsoft.com/office/powerpoint/2010/main" val="631468607"/>
+      </p:ext>
+    </p:extLst>
+  </p:cSld>
+  <p:clrMapOvr>
+    <a:masterClrMapping/>
+  </p:clrMapOvr>
+</p:sld>
+</file>
+
+<file path=ppt/slides/slide24.xml><?xml version="1.0" encoding="utf-8"?>
+<p:sld xmlns:a="http://schemas.openxmlformats.org/drawingml/2006/main" xmlns:r="http://schemas.openxmlformats.org/officeDocument/2006/relationships" xmlns:p="http://schemas.openxmlformats.org/presentationml/2006/main">
+  <p:cSld>
+    <p:spTree>
+      <p:nvGrpSpPr>
+        <p:cNvPr id="1" name=""/>
+        <p:cNvGrpSpPr/>
+        <p:nvPr/>
+      </p:nvGrpSpPr>
+      <p:grpSpPr>
+        <a:xfrm>
+          <a:off x="0" y="0"/>
+          <a:ext cx="0" cy="0"/>
+          <a:chOff x="0" y="0"/>
+          <a:chExt cx="0" cy="0"/>
+        </a:xfrm>
+      </p:grpSpPr>
+      <p:sp>
+        <p:nvSpPr>
+          <p:cNvPr id="2" name="Title 1">
+            <a:extLst>
+              <a:ext uri="{FF2B5EF4-FFF2-40B4-BE49-F238E27FC236}">
+                <a16:creationId xmlns:a16="http://schemas.microsoft.com/office/drawing/2014/main" id="{495A21F7-3D5A-9360-D1D5-D652BDE9B45B}"/>
+              </a:ext>
+            </a:extLst>
+          </p:cNvPr>
+          <p:cNvSpPr>
+            <a:spLocks noGrp="1"/>
+          </p:cNvSpPr>
+          <p:nvPr>
+            <p:ph type="title"/>
+          </p:nvPr>
+        </p:nvSpPr>
+        <p:spPr/>
+        <p:txBody>
+          <a:bodyPr>
+            <a:normAutofit fontScale="90000"/>
+          </a:bodyPr>
+          <a:lstStyle/>
+          <a:p>
+            <a:r>
+              <a:rPr lang="en-US" dirty="0"/>
+              <a:t>Analysis</a:t>
+            </a:r>
+          </a:p>
+        </p:txBody>
+      </p:sp>
+      <p:pic>
+        <p:nvPicPr>
+          <p:cNvPr id="3" name="Picture 2" descr="A screen shot of a black screen&#10;&#10;Description automatically generated">
+            <a:extLst>
+              <a:ext uri="{FF2B5EF4-FFF2-40B4-BE49-F238E27FC236}">
+                <a16:creationId xmlns:a16="http://schemas.microsoft.com/office/drawing/2014/main" id="{76A2477E-4ADD-EC44-A58F-76634E5A9880}"/>
+              </a:ext>
+            </a:extLst>
+          </p:cNvPr>
+          <p:cNvPicPr>
+            <a:picLocks noChangeAspect="1"/>
+          </p:cNvPicPr>
+          <p:nvPr/>
+        </p:nvPicPr>
+        <p:blipFill>
+          <a:blip r:embed="rId2"/>
+          <a:stretch>
+            <a:fillRect/>
+          </a:stretch>
+        </p:blipFill>
+        <p:spPr>
+          <a:xfrm>
+            <a:off x="839846" y="4185641"/>
+            <a:ext cx="7772400" cy="2152356"/>
+          </a:xfrm>
+          <a:prstGeom prst="rect">
+            <a:avLst/>
+          </a:prstGeom>
+        </p:spPr>
+      </p:pic>
+      <p:pic>
+        <p:nvPicPr>
+          <p:cNvPr id="5" name="Picture 4" descr="A screen shot of a computer screen&#10;&#10;Description automatically generated">
+            <a:extLst>
+              <a:ext uri="{FF2B5EF4-FFF2-40B4-BE49-F238E27FC236}">
+                <a16:creationId xmlns:a16="http://schemas.microsoft.com/office/drawing/2014/main" id="{CD5390BB-2341-115C-1109-43624B2F4EED}"/>
+              </a:ext>
+            </a:extLst>
+          </p:cNvPr>
+          <p:cNvPicPr>
+            <a:picLocks noChangeAspect="1"/>
+          </p:cNvPicPr>
+          <p:nvPr/>
+        </p:nvPicPr>
+        <p:blipFill>
+          <a:blip r:embed="rId3"/>
+          <a:stretch>
+            <a:fillRect/>
+          </a:stretch>
+        </p:blipFill>
+        <p:spPr>
+          <a:xfrm>
+            <a:off x="839846" y="1419701"/>
+            <a:ext cx="7772400" cy="2096740"/>
+          </a:xfrm>
+          <a:prstGeom prst="rect">
+            <a:avLst/>
+          </a:prstGeom>
+        </p:spPr>
+      </p:pic>
+      <p:sp>
+        <p:nvSpPr>
+          <p:cNvPr id="7" name="TextBox 6">
+            <a:extLst>
+              <a:ext uri="{FF2B5EF4-FFF2-40B4-BE49-F238E27FC236}">
+                <a16:creationId xmlns:a16="http://schemas.microsoft.com/office/drawing/2014/main" id="{1326443F-218B-7225-B3B2-B378B7569BB6}"/>
+              </a:ext>
+            </a:extLst>
+          </p:cNvPr>
+          <p:cNvSpPr txBox="1"/>
+          <p:nvPr/>
+        </p:nvSpPr>
+        <p:spPr>
+          <a:xfrm>
+            <a:off x="770767" y="1023981"/>
+            <a:ext cx="2335832" cy="369332"/>
+          </a:xfrm>
+          <a:prstGeom prst="rect">
+            <a:avLst/>
+          </a:prstGeom>
+          <a:noFill/>
+        </p:spPr>
+        <p:txBody>
+          <a:bodyPr wrap="none" rtlCol="0">
+            <a:spAutoFit/>
+          </a:bodyPr>
+          <a:lstStyle/>
+          <a:p>
+            <a:r>
+              <a:rPr lang="en-US" dirty="0"/>
+              <a:t>With COVID-19 data</a:t>
+            </a:r>
+          </a:p>
+        </p:txBody>
+      </p:sp>
+      <p:sp>
+        <p:nvSpPr>
+          <p:cNvPr id="8" name="TextBox 7">
+            <a:extLst>
+              <a:ext uri="{FF2B5EF4-FFF2-40B4-BE49-F238E27FC236}">
+                <a16:creationId xmlns:a16="http://schemas.microsoft.com/office/drawing/2014/main" id="{2173FBF3-0CFD-E832-783A-CCA5C9720EA4}"/>
+              </a:ext>
+            </a:extLst>
+          </p:cNvPr>
+          <p:cNvSpPr txBox="1"/>
+          <p:nvPr/>
+        </p:nvSpPr>
+        <p:spPr>
+          <a:xfrm>
+            <a:off x="767408" y="3670391"/>
+            <a:ext cx="2667653" cy="369332"/>
+          </a:xfrm>
+          <a:prstGeom prst="rect">
+            <a:avLst/>
+          </a:prstGeom>
+          <a:noFill/>
+        </p:spPr>
+        <p:txBody>
+          <a:bodyPr wrap="none" rtlCol="0">
+            <a:spAutoFit/>
+          </a:bodyPr>
+          <a:lstStyle/>
+          <a:p>
+            <a:r>
+              <a:rPr lang="en-US" dirty="0"/>
+              <a:t>Without COVID-19 data</a:t>
+            </a:r>
+          </a:p>
+        </p:txBody>
+      </p:sp>
+    </p:spTree>
+    <p:extLst>
+      <p:ext uri="{BB962C8B-B14F-4D97-AF65-F5344CB8AC3E}">
+        <p14:creationId xmlns:p14="http://schemas.microsoft.com/office/powerpoint/2010/main" val="530125728"/>
+      </p:ext>
+    </p:extLst>
+  </p:cSld>
+  <p:clrMapOvr>
+    <a:masterClrMapping/>
+  </p:clrMapOvr>
+</p:sld>
+</file>
+
+<file path=ppt/slides/slide25.xml><?xml version="1.0" encoding="utf-8"?>
+<p:sld xmlns:a="http://schemas.openxmlformats.org/drawingml/2006/main" xmlns:r="http://schemas.openxmlformats.org/officeDocument/2006/relationships" xmlns:p="http://schemas.openxmlformats.org/presentationml/2006/main">
+  <p:cSld>
+    <p:spTree>
+      <p:nvGrpSpPr>
+        <p:cNvPr id="1" name=""/>
+        <p:cNvGrpSpPr/>
+        <p:nvPr/>
+      </p:nvGrpSpPr>
+      <p:grpSpPr>
+        <a:xfrm>
+          <a:off x="0" y="0"/>
+          <a:ext cx="0" cy="0"/>
+          <a:chOff x="0" y="0"/>
+          <a:chExt cx="0" cy="0"/>
+        </a:xfrm>
+      </p:grpSpPr>
+      <p:sp>
+        <p:nvSpPr>
+          <p:cNvPr id="2" name="Title 1">
+            <a:extLst>
+              <a:ext uri="{FF2B5EF4-FFF2-40B4-BE49-F238E27FC236}">
                 <a16:creationId xmlns:a16="http://schemas.microsoft.com/office/drawing/2014/main" id="{06C5864A-DF76-EA17-1C73-FBC556C4FAC4}"/>
               </a:ext>
             </a:extLst>
@@ -23690,7 +24879,7 @@
         </p:nvSpPr>
         <p:spPr>
           <a:xfrm>
-            <a:off x="805415" y="4358331"/>
+            <a:off x="805415" y="4058569"/>
             <a:ext cx="3778417" cy="1691632"/>
           </a:xfrm>
         </p:spPr>
@@ -23751,17 +24940,28 @@
             <a:pPr lvl="1"/>
             <a:r>
               <a:rPr lang="en-US" sz="1800" dirty="0"/>
-              <a:t>Unemployment does not appear to significantly correlate with immigration</a:t>
+              <a:t>Unemployment does not appear to significantly correlate with immigration.</a:t>
             </a:r>
           </a:p>
           <a:p>
             <a:r>
               <a:rPr lang="en-US" sz="2000" dirty="0"/>
-              <a:t>Public transit revenue</a:t>
+              <a:t>Public transit</a:t>
             </a:r>
           </a:p>
           <a:p>
-            <a:endParaRPr lang="en-US" sz="2000" dirty="0"/>
+            <a:pPr lvl="1"/>
+            <a:r>
+              <a:rPr lang="en-US" sz="1800" dirty="0"/>
+              <a:t>Unemployment rates seems to be negatively correlated with public transit.</a:t>
+            </a:r>
+          </a:p>
+          <a:p>
+            <a:pPr lvl="1"/>
+            <a:r>
+              <a:rPr lang="en-US" sz="1800" dirty="0"/>
+              <a:t>However, unemployment does not fully explain public transit on its own.</a:t>
+            </a:r>
           </a:p>
           <a:p>
             <a:r>
@@ -23781,6 +24981,45 @@
           </a:p>
           <a:p>
             <a:endParaRPr lang="en-US" sz="2000" dirty="0"/>
+          </a:p>
+        </p:txBody>
+      </p:sp>
+      <p:sp>
+        <p:nvSpPr>
+          <p:cNvPr id="7" name="TextBox 6">
+            <a:extLst>
+              <a:ext uri="{FF2B5EF4-FFF2-40B4-BE49-F238E27FC236}">
+                <a16:creationId xmlns:a16="http://schemas.microsoft.com/office/drawing/2014/main" id="{6F4DBE89-52B4-1109-F67D-12081BF005EC}"/>
+              </a:ext>
+            </a:extLst>
+          </p:cNvPr>
+          <p:cNvSpPr txBox="1"/>
+          <p:nvPr/>
+        </p:nvSpPr>
+        <p:spPr>
+          <a:xfrm>
+            <a:off x="-352288" y="5565535"/>
+            <a:ext cx="6093822" cy="369332"/>
+          </a:xfrm>
+          <a:prstGeom prst="rect">
+            <a:avLst/>
+          </a:prstGeom>
+          <a:noFill/>
+        </p:spPr>
+        <p:txBody>
+          <a:bodyPr wrap="square">
+            <a:spAutoFit/>
+          </a:bodyPr>
+          <a:lstStyle/>
+          <a:p>
+            <a:pPr marL="0" indent="0" algn="ctr">
+              <a:buNone/>
+            </a:pPr>
+            <a:r>
+              <a:rPr lang="en-US" dirty="0"/>
+              <a:t>Maybe…</a:t>
+            </a:r>
+            <a:endParaRPr lang="en-US" sz="1800" dirty="0"/>
           </a:p>
         </p:txBody>
       </p:sp>
@@ -23815,7 +25054,7 @@
                             </p:stCondLst>
                             <p:childTnLst>
                               <p:par>
-                                <p:cTn id="5" presetID="2" presetClass="entr" presetSubtype="4" fill="hold" grpId="0" nodeType="clickEffect">
+                                <p:cTn id="5" presetID="1" presetClass="entr" presetSubtype="0" fill="hold" grpId="0" nodeType="clickEffect">
                                   <p:stCondLst>
                                     <p:cond delay="0"/>
                                   </p:stCondLst>
@@ -23823,6 +25062,51 @@
                                     <p:set>
                                       <p:cBhvr>
                                         <p:cTn id="6" dur="1" fill="hold">
+                                          <p:stCondLst>
+                                            <p:cond delay="0"/>
+                                          </p:stCondLst>
+                                        </p:cTn>
+                                        <p:tgtEl>
+                                          <p:spTgt spid="7"/>
+                                        </p:tgtEl>
+                                        <p:attrNameLst>
+                                          <p:attrName>style.visibility</p:attrName>
+                                        </p:attrNameLst>
+                                      </p:cBhvr>
+                                      <p:to>
+                                        <p:strVal val="visible"/>
+                                      </p:to>
+                                    </p:set>
+                                  </p:childTnLst>
+                                </p:cTn>
+                              </p:par>
+                            </p:childTnLst>
+                          </p:cTn>
+                        </p:par>
+                      </p:childTnLst>
+                    </p:cTn>
+                  </p:par>
+                  <p:par>
+                    <p:cTn id="7" fill="hold">
+                      <p:stCondLst>
+                        <p:cond delay="indefinite"/>
+                      </p:stCondLst>
+                      <p:childTnLst>
+                        <p:par>
+                          <p:cTn id="8" fill="hold">
+                            <p:stCondLst>
+                              <p:cond delay="0"/>
+                            </p:stCondLst>
+                            <p:childTnLst>
+                              <p:par>
+                                <p:cTn id="9" presetID="2" presetClass="entr" presetSubtype="4" fill="hold" grpId="0" nodeType="clickEffect">
+                                  <p:stCondLst>
+                                    <p:cond delay="0"/>
+                                  </p:stCondLst>
+                                  <p:childTnLst>
+                                    <p:set>
+                                      <p:cBhvr>
+                                        <p:cTn id="10" dur="1" fill="hold">
                                           <p:stCondLst>
                                             <p:cond delay="0"/>
                                           </p:stCondLst>
@@ -23844,7 +25128,7 @@
                                     </p:set>
                                     <p:anim calcmode="lin" valueType="num">
                                       <p:cBhvr additive="base">
-                                        <p:cTn id="7" dur="500" fill="hold"/>
+                                        <p:cTn id="11" dur="500" fill="hold"/>
                                         <p:tgtEl>
                                           <p:spTgt spid="3">
                                             <p:txEl>
@@ -23871,7 +25155,7 @@
                                     </p:anim>
                                     <p:anim calcmode="lin" valueType="num">
                                       <p:cBhvr additive="base">
-                                        <p:cTn id="8" dur="500" fill="hold"/>
+                                        <p:cTn id="12" dur="500" fill="hold"/>
                                         <p:tgtEl>
                                           <p:spTgt spid="3">
                                             <p:txEl>
@@ -23900,14 +25184,14 @@
                                 </p:cTn>
                               </p:par>
                               <p:par>
-                                <p:cTn id="9" presetID="2" presetClass="entr" presetSubtype="4" fill="hold" grpId="0" nodeType="withEffect">
+                                <p:cTn id="13" presetID="2" presetClass="entr" presetSubtype="4" fill="hold" grpId="0" nodeType="withEffect">
                                   <p:stCondLst>
                                     <p:cond delay="0"/>
                                   </p:stCondLst>
                                   <p:childTnLst>
                                     <p:set>
                                       <p:cBhvr>
-                                        <p:cTn id="10" dur="1" fill="hold">
+                                        <p:cTn id="14" dur="1" fill="hold">
                                           <p:stCondLst>
                                             <p:cond delay="0"/>
                                           </p:stCondLst>
@@ -23929,7 +25213,7 @@
                                     </p:set>
                                     <p:anim calcmode="lin" valueType="num">
                                       <p:cBhvr additive="base">
-                                        <p:cTn id="11" dur="500" fill="hold"/>
+                                        <p:cTn id="15" dur="500" fill="hold"/>
                                         <p:tgtEl>
                                           <p:spTgt spid="3">
                                             <p:txEl>
@@ -23956,7 +25240,7 @@
                                     </p:anim>
                                     <p:anim calcmode="lin" valueType="num">
                                       <p:cBhvr additive="base">
-                                        <p:cTn id="12" dur="500" fill="hold"/>
+                                        <p:cTn id="16" dur="500" fill="hold"/>
                                         <p:tgtEl>
                                           <p:spTgt spid="3">
                                             <p:txEl>
@@ -23991,26 +25275,26 @@
                     </p:cTn>
                   </p:par>
                   <p:par>
-                    <p:cTn id="13" fill="hold">
+                    <p:cTn id="17" fill="hold">
                       <p:stCondLst>
                         <p:cond delay="indefinite"/>
                       </p:stCondLst>
                       <p:childTnLst>
                         <p:par>
-                          <p:cTn id="14" fill="hold">
+                          <p:cTn id="18" fill="hold">
                             <p:stCondLst>
                               <p:cond delay="0"/>
                             </p:stCondLst>
                             <p:childTnLst>
                               <p:par>
-                                <p:cTn id="15" presetID="2" presetClass="entr" presetSubtype="4" fill="hold" grpId="0" nodeType="clickEffect">
+                                <p:cTn id="19" presetID="2" presetClass="entr" presetSubtype="4" fill="hold" grpId="0" nodeType="clickEffect">
                                   <p:stCondLst>
                                     <p:cond delay="0"/>
                                   </p:stCondLst>
                                   <p:childTnLst>
                                     <p:set>
                                       <p:cBhvr>
-                                        <p:cTn id="16" dur="1" fill="hold">
+                                        <p:cTn id="20" dur="1" fill="hold">
                                           <p:stCondLst>
                                             <p:cond delay="0"/>
                                           </p:stCondLst>
@@ -24032,7 +25316,7 @@
                                     </p:set>
                                     <p:anim calcmode="lin" valueType="num">
                                       <p:cBhvr additive="base">
-                                        <p:cTn id="17" dur="500" fill="hold"/>
+                                        <p:cTn id="21" dur="500" fill="hold"/>
                                         <p:tgtEl>
                                           <p:spTgt spid="3">
                                             <p:txEl>
@@ -24059,11 +25343,181 @@
                                     </p:anim>
                                     <p:anim calcmode="lin" valueType="num">
                                       <p:cBhvr additive="base">
-                                        <p:cTn id="18" dur="500" fill="hold"/>
+                                        <p:cTn id="22" dur="500" fill="hold"/>
                                         <p:tgtEl>
                                           <p:spTgt spid="3">
                                             <p:txEl>
                                               <p:pRg st="2" end="2"/>
+                                            </p:txEl>
+                                          </p:spTgt>
+                                        </p:tgtEl>
+                                        <p:attrNameLst>
+                                          <p:attrName>ppt_y</p:attrName>
+                                        </p:attrNameLst>
+                                      </p:cBhvr>
+                                      <p:tavLst>
+                                        <p:tav tm="0">
+                                          <p:val>
+                                            <p:strVal val="1+#ppt_h/2"/>
+                                          </p:val>
+                                        </p:tav>
+                                        <p:tav tm="100000">
+                                          <p:val>
+                                            <p:strVal val="#ppt_y"/>
+                                          </p:val>
+                                        </p:tav>
+                                      </p:tavLst>
+                                    </p:anim>
+                                  </p:childTnLst>
+                                </p:cTn>
+                              </p:par>
+                              <p:par>
+                                <p:cTn id="23" presetID="2" presetClass="entr" presetSubtype="4" fill="hold" grpId="0" nodeType="withEffect">
+                                  <p:stCondLst>
+                                    <p:cond delay="0"/>
+                                  </p:stCondLst>
+                                  <p:childTnLst>
+                                    <p:set>
+                                      <p:cBhvr>
+                                        <p:cTn id="24" dur="1" fill="hold">
+                                          <p:stCondLst>
+                                            <p:cond delay="0"/>
+                                          </p:stCondLst>
+                                        </p:cTn>
+                                        <p:tgtEl>
+                                          <p:spTgt spid="3">
+                                            <p:txEl>
+                                              <p:pRg st="3" end="3"/>
+                                            </p:txEl>
+                                          </p:spTgt>
+                                        </p:tgtEl>
+                                        <p:attrNameLst>
+                                          <p:attrName>style.visibility</p:attrName>
+                                        </p:attrNameLst>
+                                      </p:cBhvr>
+                                      <p:to>
+                                        <p:strVal val="visible"/>
+                                      </p:to>
+                                    </p:set>
+                                    <p:anim calcmode="lin" valueType="num">
+                                      <p:cBhvr additive="base">
+                                        <p:cTn id="25" dur="500" fill="hold"/>
+                                        <p:tgtEl>
+                                          <p:spTgt spid="3">
+                                            <p:txEl>
+                                              <p:pRg st="3" end="3"/>
+                                            </p:txEl>
+                                          </p:spTgt>
+                                        </p:tgtEl>
+                                        <p:attrNameLst>
+                                          <p:attrName>ppt_x</p:attrName>
+                                        </p:attrNameLst>
+                                      </p:cBhvr>
+                                      <p:tavLst>
+                                        <p:tav tm="0">
+                                          <p:val>
+                                            <p:strVal val="#ppt_x"/>
+                                          </p:val>
+                                        </p:tav>
+                                        <p:tav tm="100000">
+                                          <p:val>
+                                            <p:strVal val="#ppt_x"/>
+                                          </p:val>
+                                        </p:tav>
+                                      </p:tavLst>
+                                    </p:anim>
+                                    <p:anim calcmode="lin" valueType="num">
+                                      <p:cBhvr additive="base">
+                                        <p:cTn id="26" dur="500" fill="hold"/>
+                                        <p:tgtEl>
+                                          <p:spTgt spid="3">
+                                            <p:txEl>
+                                              <p:pRg st="3" end="3"/>
+                                            </p:txEl>
+                                          </p:spTgt>
+                                        </p:tgtEl>
+                                        <p:attrNameLst>
+                                          <p:attrName>ppt_y</p:attrName>
+                                        </p:attrNameLst>
+                                      </p:cBhvr>
+                                      <p:tavLst>
+                                        <p:tav tm="0">
+                                          <p:val>
+                                            <p:strVal val="1+#ppt_h/2"/>
+                                          </p:val>
+                                        </p:tav>
+                                        <p:tav tm="100000">
+                                          <p:val>
+                                            <p:strVal val="#ppt_y"/>
+                                          </p:val>
+                                        </p:tav>
+                                      </p:tavLst>
+                                    </p:anim>
+                                  </p:childTnLst>
+                                </p:cTn>
+                              </p:par>
+                              <p:par>
+                                <p:cTn id="27" presetID="2" presetClass="entr" presetSubtype="4" fill="hold" grpId="0" nodeType="withEffect">
+                                  <p:stCondLst>
+                                    <p:cond delay="0"/>
+                                  </p:stCondLst>
+                                  <p:childTnLst>
+                                    <p:set>
+                                      <p:cBhvr>
+                                        <p:cTn id="28" dur="1" fill="hold">
+                                          <p:stCondLst>
+                                            <p:cond delay="0"/>
+                                          </p:stCondLst>
+                                        </p:cTn>
+                                        <p:tgtEl>
+                                          <p:spTgt spid="3">
+                                            <p:txEl>
+                                              <p:pRg st="4" end="4"/>
+                                            </p:txEl>
+                                          </p:spTgt>
+                                        </p:tgtEl>
+                                        <p:attrNameLst>
+                                          <p:attrName>style.visibility</p:attrName>
+                                        </p:attrNameLst>
+                                      </p:cBhvr>
+                                      <p:to>
+                                        <p:strVal val="visible"/>
+                                      </p:to>
+                                    </p:set>
+                                    <p:anim calcmode="lin" valueType="num">
+                                      <p:cBhvr additive="base">
+                                        <p:cTn id="29" dur="500" fill="hold"/>
+                                        <p:tgtEl>
+                                          <p:spTgt spid="3">
+                                            <p:txEl>
+                                              <p:pRg st="4" end="4"/>
+                                            </p:txEl>
+                                          </p:spTgt>
+                                        </p:tgtEl>
+                                        <p:attrNameLst>
+                                          <p:attrName>ppt_x</p:attrName>
+                                        </p:attrNameLst>
+                                      </p:cBhvr>
+                                      <p:tavLst>
+                                        <p:tav tm="0">
+                                          <p:val>
+                                            <p:strVal val="#ppt_x"/>
+                                          </p:val>
+                                        </p:tav>
+                                        <p:tav tm="100000">
+                                          <p:val>
+                                            <p:strVal val="#ppt_x"/>
+                                          </p:val>
+                                        </p:tav>
+                                      </p:tavLst>
+                                    </p:anim>
+                                    <p:anim calcmode="lin" valueType="num">
+                                      <p:cBhvr additive="base">
+                                        <p:cTn id="30" dur="500" fill="hold"/>
+                                        <p:tgtEl>
+                                          <p:spTgt spid="3">
+                                            <p:txEl>
+                                              <p:pRg st="4" end="4"/>
                                             </p:txEl>
                                           </p:spTgt>
                                         </p:tgtEl>
@@ -24094,111 +25548,26 @@
                     </p:cTn>
                   </p:par>
                   <p:par>
-                    <p:cTn id="19" fill="hold">
+                    <p:cTn id="31" fill="hold">
                       <p:stCondLst>
                         <p:cond delay="indefinite"/>
                       </p:stCondLst>
                       <p:childTnLst>
                         <p:par>
-                          <p:cTn id="20" fill="hold">
+                          <p:cTn id="32" fill="hold">
                             <p:stCondLst>
                               <p:cond delay="0"/>
                             </p:stCondLst>
                             <p:childTnLst>
                               <p:par>
-                                <p:cTn id="21" presetID="2" presetClass="entr" presetSubtype="4" fill="hold" grpId="0" nodeType="clickEffect">
+                                <p:cTn id="33" presetID="2" presetClass="entr" presetSubtype="4" fill="hold" grpId="0" nodeType="clickEffect">
                                   <p:stCondLst>
                                     <p:cond delay="0"/>
                                   </p:stCondLst>
                                   <p:childTnLst>
                                     <p:set>
                                       <p:cBhvr>
-                                        <p:cTn id="22" dur="1" fill="hold">
-                                          <p:stCondLst>
-                                            <p:cond delay="0"/>
-                                          </p:stCondLst>
-                                        </p:cTn>
-                                        <p:tgtEl>
-                                          <p:spTgt spid="3">
-                                            <p:txEl>
-                                              <p:pRg st="4" end="4"/>
-                                            </p:txEl>
-                                          </p:spTgt>
-                                        </p:tgtEl>
-                                        <p:attrNameLst>
-                                          <p:attrName>style.visibility</p:attrName>
-                                        </p:attrNameLst>
-                                      </p:cBhvr>
-                                      <p:to>
-                                        <p:strVal val="visible"/>
-                                      </p:to>
-                                    </p:set>
-                                    <p:anim calcmode="lin" valueType="num">
-                                      <p:cBhvr additive="base">
-                                        <p:cTn id="23" dur="500" fill="hold"/>
-                                        <p:tgtEl>
-                                          <p:spTgt spid="3">
-                                            <p:txEl>
-                                              <p:pRg st="4" end="4"/>
-                                            </p:txEl>
-                                          </p:spTgt>
-                                        </p:tgtEl>
-                                        <p:attrNameLst>
-                                          <p:attrName>ppt_x</p:attrName>
-                                        </p:attrNameLst>
-                                      </p:cBhvr>
-                                      <p:tavLst>
-                                        <p:tav tm="0">
-                                          <p:val>
-                                            <p:strVal val="#ppt_x"/>
-                                          </p:val>
-                                        </p:tav>
-                                        <p:tav tm="100000">
-                                          <p:val>
-                                            <p:strVal val="#ppt_x"/>
-                                          </p:val>
-                                        </p:tav>
-                                      </p:tavLst>
-                                    </p:anim>
-                                    <p:anim calcmode="lin" valueType="num">
-                                      <p:cBhvr additive="base">
-                                        <p:cTn id="24" dur="500" fill="hold"/>
-                                        <p:tgtEl>
-                                          <p:spTgt spid="3">
-                                            <p:txEl>
-                                              <p:pRg st="4" end="4"/>
-                                            </p:txEl>
-                                          </p:spTgt>
-                                        </p:tgtEl>
-                                        <p:attrNameLst>
-                                          <p:attrName>ppt_y</p:attrName>
-                                        </p:attrNameLst>
-                                      </p:cBhvr>
-                                      <p:tavLst>
-                                        <p:tav tm="0">
-                                          <p:val>
-                                            <p:strVal val="1+#ppt_h/2"/>
-                                          </p:val>
-                                        </p:tav>
-                                        <p:tav tm="100000">
-                                          <p:val>
-                                            <p:strVal val="#ppt_y"/>
-                                          </p:val>
-                                        </p:tav>
-                                      </p:tavLst>
-                                    </p:anim>
-                                  </p:childTnLst>
-                                </p:cTn>
-                              </p:par>
-                              <p:par>
-                                <p:cTn id="25" presetID="2" presetClass="entr" presetSubtype="4" fill="hold" grpId="0" nodeType="withEffect">
-                                  <p:stCondLst>
-                                    <p:cond delay="0"/>
-                                  </p:stCondLst>
-                                  <p:childTnLst>
-                                    <p:set>
-                                      <p:cBhvr>
-                                        <p:cTn id="26" dur="1" fill="hold">
+                                        <p:cTn id="34" dur="1" fill="hold">
                                           <p:stCondLst>
                                             <p:cond delay="0"/>
                                           </p:stCondLst>
@@ -24220,7 +25589,7 @@
                                     </p:set>
                                     <p:anim calcmode="lin" valueType="num">
                                       <p:cBhvr additive="base">
-                                        <p:cTn id="27" dur="500" fill="hold"/>
+                                        <p:cTn id="35" dur="500" fill="hold"/>
                                         <p:tgtEl>
                                           <p:spTgt spid="3">
                                             <p:txEl>
@@ -24247,11 +25616,96 @@
                                     </p:anim>
                                     <p:anim calcmode="lin" valueType="num">
                                       <p:cBhvr additive="base">
-                                        <p:cTn id="28" dur="500" fill="hold"/>
+                                        <p:cTn id="36" dur="500" fill="hold"/>
                                         <p:tgtEl>
                                           <p:spTgt spid="3">
                                             <p:txEl>
                                               <p:pRg st="5" end="5"/>
+                                            </p:txEl>
+                                          </p:spTgt>
+                                        </p:tgtEl>
+                                        <p:attrNameLst>
+                                          <p:attrName>ppt_y</p:attrName>
+                                        </p:attrNameLst>
+                                      </p:cBhvr>
+                                      <p:tavLst>
+                                        <p:tav tm="0">
+                                          <p:val>
+                                            <p:strVal val="1+#ppt_h/2"/>
+                                          </p:val>
+                                        </p:tav>
+                                        <p:tav tm="100000">
+                                          <p:val>
+                                            <p:strVal val="#ppt_y"/>
+                                          </p:val>
+                                        </p:tav>
+                                      </p:tavLst>
+                                    </p:anim>
+                                  </p:childTnLst>
+                                </p:cTn>
+                              </p:par>
+                              <p:par>
+                                <p:cTn id="37" presetID="2" presetClass="entr" presetSubtype="4" fill="hold" grpId="0" nodeType="withEffect">
+                                  <p:stCondLst>
+                                    <p:cond delay="0"/>
+                                  </p:stCondLst>
+                                  <p:childTnLst>
+                                    <p:set>
+                                      <p:cBhvr>
+                                        <p:cTn id="38" dur="1" fill="hold">
+                                          <p:stCondLst>
+                                            <p:cond delay="0"/>
+                                          </p:stCondLst>
+                                        </p:cTn>
+                                        <p:tgtEl>
+                                          <p:spTgt spid="3">
+                                            <p:txEl>
+                                              <p:pRg st="6" end="6"/>
+                                            </p:txEl>
+                                          </p:spTgt>
+                                        </p:tgtEl>
+                                        <p:attrNameLst>
+                                          <p:attrName>style.visibility</p:attrName>
+                                        </p:attrNameLst>
+                                      </p:cBhvr>
+                                      <p:to>
+                                        <p:strVal val="visible"/>
+                                      </p:to>
+                                    </p:set>
+                                    <p:anim calcmode="lin" valueType="num">
+                                      <p:cBhvr additive="base">
+                                        <p:cTn id="39" dur="500" fill="hold"/>
+                                        <p:tgtEl>
+                                          <p:spTgt spid="3">
+                                            <p:txEl>
+                                              <p:pRg st="6" end="6"/>
+                                            </p:txEl>
+                                          </p:spTgt>
+                                        </p:tgtEl>
+                                        <p:attrNameLst>
+                                          <p:attrName>ppt_x</p:attrName>
+                                        </p:attrNameLst>
+                                      </p:cBhvr>
+                                      <p:tavLst>
+                                        <p:tav tm="0">
+                                          <p:val>
+                                            <p:strVal val="#ppt_x"/>
+                                          </p:val>
+                                        </p:tav>
+                                        <p:tav tm="100000">
+                                          <p:val>
+                                            <p:strVal val="#ppt_x"/>
+                                          </p:val>
+                                        </p:tav>
+                                      </p:tavLst>
+                                    </p:anim>
+                                    <p:anim calcmode="lin" valueType="num">
+                                      <p:cBhvr additive="base">
+                                        <p:cTn id="40" dur="500" fill="hold"/>
+                                        <p:tgtEl>
+                                          <p:spTgt spid="3">
+                                            <p:txEl>
+                                              <p:pRg st="6" end="6"/>
                                             </p:txEl>
                                           </p:spTgt>
                                         </p:tgtEl>
@@ -24304,12 +25758,13 @@
     </p:tnLst>
     <p:bldLst>
       <p:bldP spid="3" grpId="0" build="p"/>
+      <p:bldP spid="7" grpId="0"/>
     </p:bldLst>
   </p:timing>
 </p:sld>
 </file>
 
-<file path=ppt/slides/slide23.xml><?xml version="1.0" encoding="utf-8"?>
+<file path=ppt/slides/slide26.xml><?xml version="1.0" encoding="utf-8"?>
 <p:sld xmlns:a="http://schemas.openxmlformats.org/drawingml/2006/main" xmlns:r="http://schemas.openxmlformats.org/officeDocument/2006/relationships" xmlns:p="http://schemas.openxmlformats.org/presentationml/2006/main">
   <p:cSld>
     <p:spTree>
@@ -24392,6 +25847,12 @@
               <a:t>Inflation is not included in the analysis for household spending</a:t>
             </a:r>
           </a:p>
+          <a:p>
+            <a:r>
+              <a:rPr lang="en-US" dirty="0"/>
+              <a:t>Due to time constraints, we could not analyze all provinces  </a:t>
+            </a:r>
+          </a:p>
         </p:txBody>
       </p:sp>
     </p:spTree>
@@ -24407,7 +25868,7 @@
 </p:sld>
 </file>
 
-<file path=ppt/slides/slide24.xml><?xml version="1.0" encoding="utf-8"?>
+<file path=ppt/slides/slide27.xml><?xml version="1.0" encoding="utf-8"?>
 <p:sld xmlns:a="http://schemas.openxmlformats.org/drawingml/2006/main" xmlns:r="http://schemas.openxmlformats.org/officeDocument/2006/relationships" xmlns:p="http://schemas.openxmlformats.org/presentationml/2006/main">
   <p:cSld>
     <p:spTree>
@@ -24486,6 +25947,12 @@
             <a:r>
               <a:rPr lang="en-US" dirty="0"/>
               <a:t>Collaboration and planning is very important</a:t>
+            </a:r>
+          </a:p>
+          <a:p>
+            <a:r>
+              <a:rPr lang="en-US" dirty="0"/>
+              <a:t>The outcomes of our analysis did not always align with our predictions</a:t>
             </a:r>
           </a:p>
         </p:txBody>
@@ -24800,14 +26267,14 @@
             <p:ph idx="4294967295"/>
             <p:extLst>
               <p:ext uri="{D42A27DB-BD31-4B8C-83A1-F6EECF244321}">
-                <p14:modId xmlns:p14="http://schemas.microsoft.com/office/powerpoint/2010/main" val="4028145371"/>
+                <p14:modId xmlns:p14="http://schemas.microsoft.com/office/powerpoint/2010/main" val="2093842450"/>
               </p:ext>
             </p:extLst>
           </p:nvPr>
         </p:nvGraphicFramePr>
         <p:xfrm>
           <a:off x="839416" y="1052736"/>
-          <a:ext cx="10585176" cy="5510116"/>
+          <a:ext cx="10585176" cy="5328591"/>
         </p:xfrm>
         <a:graphic>
           <a:graphicData uri="http://schemas.openxmlformats.org/drawingml/2006/table">
@@ -24859,7 +26326,7 @@
                   </a:extLst>
                 </a:gridCol>
               </a:tblGrid>
-              <a:tr h="905089">
+              <a:tr h="1047301">
                 <a:tc>
                   <a:txBody>
                     <a:bodyPr/>
@@ -24950,7 +26417,7 @@
                   </a:ext>
                 </a:extLst>
               </a:tr>
-              <a:tr h="905089">
+              <a:tr h="1093344">
                 <a:tc>
                   <a:txBody>
                     <a:bodyPr/>
@@ -25090,7 +26557,7 @@
                   </a:ext>
                 </a:extLst>
               </a:tr>
-              <a:tr h="905089">
+              <a:tr h="1047301">
                 <a:tc>
                   <a:txBody>
                     <a:bodyPr/>
@@ -25194,7 +26661,7 @@
                   </a:ext>
                 </a:extLst>
               </a:tr>
-              <a:tr h="905089">
+              <a:tr h="1093344">
                 <a:tc>
                   <a:txBody>
                     <a:bodyPr/>
@@ -25347,7 +26814,7 @@
                   </a:ext>
                 </a:extLst>
               </a:tr>
-              <a:tr h="905089">
+              <a:tr h="1047301">
                 <a:tc>
                   <a:txBody>
                     <a:bodyPr/>
@@ -25467,79 +26934,6 @@
                   </a:ext>
                 </a:extLst>
               </a:tr>
-              <a:tr h="905089">
-                <a:tc>
-                  <a:txBody>
-                    <a:bodyPr/>
-                    <a:lstStyle/>
-                    <a:p>
-                      <a:pPr algn="ctr"/>
-                      <a:endParaRPr lang="en-US" sz="1400" dirty="0"/>
-                    </a:p>
-                  </a:txBody>
-                  <a:tcPr anchor="ctr"/>
-                </a:tc>
-                <a:tc>
-                  <a:txBody>
-                    <a:bodyPr/>
-                    <a:lstStyle/>
-                    <a:p>
-                      <a:pPr algn="ctr"/>
-                      <a:endParaRPr lang="en-US" sz="1400" dirty="0"/>
-                    </a:p>
-                  </a:txBody>
-                  <a:tcPr anchor="ctr"/>
-                </a:tc>
-                <a:tc>
-                  <a:txBody>
-                    <a:bodyPr/>
-                    <a:lstStyle/>
-                    <a:p>
-                      <a:pPr algn="ctr"/>
-                      <a:endParaRPr lang="en-US" sz="1400" dirty="0"/>
-                    </a:p>
-                  </a:txBody>
-                  <a:tcPr anchor="ctr"/>
-                </a:tc>
-                <a:tc>
-                  <a:txBody>
-                    <a:bodyPr/>
-                    <a:lstStyle/>
-                    <a:p>
-                      <a:pPr algn="ctr"/>
-                      <a:endParaRPr lang="en-US" sz="1400" dirty="0"/>
-                    </a:p>
-                  </a:txBody>
-                  <a:tcPr anchor="ctr"/>
-                </a:tc>
-                <a:tc>
-                  <a:txBody>
-                    <a:bodyPr/>
-                    <a:lstStyle/>
-                    <a:p>
-                      <a:pPr algn="ctr"/>
-                      <a:endParaRPr lang="en-US" sz="1400" dirty="0"/>
-                    </a:p>
-                  </a:txBody>
-                  <a:tcPr anchor="ctr"/>
-                </a:tc>
-                <a:tc>
-                  <a:txBody>
-                    <a:bodyPr/>
-                    <a:lstStyle/>
-                    <a:p>
-                      <a:pPr algn="ctr"/>
-                      <a:endParaRPr lang="en-US" sz="1400" dirty="0"/>
-                    </a:p>
-                  </a:txBody>
-                  <a:tcPr anchor="ctr"/>
-                </a:tc>
-                <a:extLst>
-                  <a:ext uri="{0D108BD9-81ED-4DB2-BD59-A6C34878D82A}">
-                    <a16:rowId xmlns:a16="http://schemas.microsoft.com/office/drawing/2014/main" val="4277452145"/>
-                  </a:ext>
-                </a:extLst>
-              </a:tr>
             </a:tbl>
           </a:graphicData>
         </a:graphic>
@@ -25686,7 +27080,7 @@
           <a:p>
             <a:r>
               <a:rPr lang="en-US" dirty="0"/>
-              <a:t>Immigration vs Unemployment Rate </a:t>
+              <a:t>Immigration vs Unemployment Rates</a:t>
             </a:r>
           </a:p>
         </p:txBody>
@@ -25879,7 +27273,7 @@
           <p:cNvPr id="2" name="Title 1">
             <a:extLst>
               <a:ext uri="{FF2B5EF4-FFF2-40B4-BE49-F238E27FC236}">
-                <a16:creationId xmlns:a16="http://schemas.microsoft.com/office/drawing/2014/main" id="{3EC0515A-7DA7-CF58-6B24-8792A209E3F1}"/>
+                <a16:creationId xmlns:a16="http://schemas.microsoft.com/office/drawing/2014/main" id="{4C8FA851-8DF2-41AF-D8A6-4FDEB6CDCFA4}"/>
               </a:ext>
             </a:extLst>
           </p:cNvPr>
@@ -25900,17 +27294,17 @@
             <a:pPr algn="l"/>
             <a:r>
               <a:rPr lang="en-US" dirty="0"/>
-              <a:t>Data preparation</a:t>
+              <a:t>Analysis</a:t>
             </a:r>
           </a:p>
         </p:txBody>
       </p:sp>
       <p:pic>
         <p:nvPicPr>
-          <p:cNvPr id="4" name="Picture 3" descr="A screenshot of a computer&#10;&#10;Description automatically generated">
+          <p:cNvPr id="3" name="Picture 2">
             <a:extLst>
               <a:ext uri="{FF2B5EF4-FFF2-40B4-BE49-F238E27FC236}">
-                <a16:creationId xmlns:a16="http://schemas.microsoft.com/office/drawing/2014/main" id="{B6BF3FA3-7F88-F989-B886-6EA1D9082025}"/>
+                <a16:creationId xmlns:a16="http://schemas.microsoft.com/office/drawing/2014/main" id="{8E114DE9-E281-85D7-FDEA-016B47AB8E53}"/>
               </a:ext>
             </a:extLst>
           </p:cNvPr>
@@ -25927,8 +27321,8 @@
         </p:blipFill>
         <p:spPr>
           <a:xfrm>
-            <a:off x="487283" y="1124744"/>
-            <a:ext cx="11217434" cy="5040560"/>
+            <a:off x="2391879" y="1024020"/>
+            <a:ext cx="7408242" cy="5492526"/>
           </a:xfrm>
           <a:prstGeom prst="rect">
             <a:avLst/>
@@ -25938,7 +27332,7 @@
     </p:spTree>
     <p:extLst>
       <p:ext uri="{BB962C8B-B14F-4D97-AF65-F5344CB8AC3E}">
-        <p14:creationId xmlns:p14="http://schemas.microsoft.com/office/powerpoint/2010/main" val="3800217081"/>
+        <p14:creationId xmlns:p14="http://schemas.microsoft.com/office/powerpoint/2010/main" val="4185664992"/>
       </p:ext>
     </p:extLst>
   </p:cSld>

--- a/Unemployment Analysis Presentation - Group 2.pptx
+++ b/Unemployment Analysis Presentation - Group 2.pptx
@@ -5,7 +5,7 @@
     <p:sldMasterId id="2147483660" r:id="rId1"/>
   </p:sldMasterIdLst>
   <p:notesMasterIdLst>
-    <p:notesMasterId r:id="rId29"/>
+    <p:notesMasterId r:id="rId31"/>
   </p:notesMasterIdLst>
   <p:sldIdLst>
     <p:sldId id="256" r:id="rId2"/>
@@ -35,6 +35,8 @@
     <p:sldId id="279" r:id="rId26"/>
     <p:sldId id="280" r:id="rId27"/>
     <p:sldId id="281" r:id="rId28"/>
+    <p:sldId id="288" r:id="rId29"/>
+    <p:sldId id="287" r:id="rId30"/>
   </p:sldIdLst>
   <p:sldSz cx="12192000" cy="6858000"/>
   <p:notesSz cx="6858000" cy="9144000"/>
@@ -3252,7 +3254,7 @@
           <a:p>
             <a:fld id="{1B62A18D-B155-A84F-B7D9-7DF2E7204CF6}" type="datetimeFigureOut">
               <a:rPr lang="en-US" smtClean="0"/>
-              <a:t>4/15/24</a:t>
+              <a:t>4/17/24</a:t>
             </a:fld>
             <a:endParaRPr lang="en-US"/>
           </a:p>
@@ -3816,6 +3818,93 @@
           <a:bodyPr/>
           <a:lstStyle/>
           <a:p>
+            <a:r>
+              <a:rPr lang="en-US" dirty="0"/>
+              <a:t>The dataset includes average household spending by multiple </a:t>
+            </a:r>
+          </a:p>
+        </p:txBody>
+      </p:sp>
+      <p:sp>
+        <p:nvSpPr>
+          <p:cNvPr id="4" name="Slide Number Placeholder 3"/>
+          <p:cNvSpPr>
+            <a:spLocks noGrp="1"/>
+          </p:cNvSpPr>
+          <p:nvPr>
+            <p:ph type="sldNum" sz="quarter" idx="5"/>
+          </p:nvPr>
+        </p:nvSpPr>
+        <p:spPr/>
+        <p:txBody>
+          <a:bodyPr/>
+          <a:lstStyle/>
+          <a:p>
+            <a:fld id="{621E9EE9-3A4D-DB43-8F8A-DEE4BB12CBD7}" type="slidenum">
+              <a:rPr lang="en-US" smtClean="0"/>
+              <a:t>21</a:t>
+            </a:fld>
+            <a:endParaRPr lang="en-US"/>
+          </a:p>
+        </p:txBody>
+      </p:sp>
+    </p:spTree>
+    <p:extLst>
+      <p:ext uri="{BB962C8B-B14F-4D97-AF65-F5344CB8AC3E}">
+        <p14:creationId xmlns:p14="http://schemas.microsoft.com/office/powerpoint/2010/main" val="3349438716"/>
+      </p:ext>
+    </p:extLst>
+  </p:cSld>
+  <p:clrMapOvr>
+    <a:masterClrMapping/>
+  </p:clrMapOvr>
+</p:notes>
+</file>
+
+<file path=ppt/notesSlides/notesSlide5.xml><?xml version="1.0" encoding="utf-8"?>
+<p:notes xmlns:a="http://schemas.openxmlformats.org/drawingml/2006/main" xmlns:r="http://schemas.openxmlformats.org/officeDocument/2006/relationships" xmlns:p="http://schemas.openxmlformats.org/presentationml/2006/main">
+  <p:cSld>
+    <p:spTree>
+      <p:nvGrpSpPr>
+        <p:cNvPr id="1" name=""/>
+        <p:cNvGrpSpPr/>
+        <p:nvPr/>
+      </p:nvGrpSpPr>
+      <p:grpSpPr>
+        <a:xfrm>
+          <a:off x="0" y="0"/>
+          <a:ext cx="0" cy="0"/>
+          <a:chOff x="0" y="0"/>
+          <a:chExt cx="0" cy="0"/>
+        </a:xfrm>
+      </p:grpSpPr>
+      <p:sp>
+        <p:nvSpPr>
+          <p:cNvPr id="2" name="Slide Image Placeholder 1"/>
+          <p:cNvSpPr>
+            <a:spLocks noGrp="1" noRot="1" noChangeAspect="1"/>
+          </p:cNvSpPr>
+          <p:nvPr>
+            <p:ph type="sldImg"/>
+          </p:nvPr>
+        </p:nvSpPr>
+        <p:spPr/>
+      </p:sp>
+      <p:sp>
+        <p:nvSpPr>
+          <p:cNvPr id="3" name="Notes Placeholder 2"/>
+          <p:cNvSpPr>
+            <a:spLocks noGrp="1"/>
+          </p:cNvSpPr>
+          <p:nvPr>
+            <p:ph type="body" idx="1"/>
+          </p:nvPr>
+        </p:nvSpPr>
+        <p:spPr/>
+        <p:txBody>
+          <a:bodyPr/>
+          <a:lstStyle/>
+          <a:p>
             <a:endParaRPr lang="en-US" dirty="0"/>
           </a:p>
         </p:txBody>
@@ -3847,6 +3936,90 @@
     <p:extLst>
       <p:ext uri="{BB962C8B-B14F-4D97-AF65-F5344CB8AC3E}">
         <p14:creationId xmlns:p14="http://schemas.microsoft.com/office/powerpoint/2010/main" val="2640598285"/>
+      </p:ext>
+    </p:extLst>
+  </p:cSld>
+  <p:clrMapOvr>
+    <a:masterClrMapping/>
+  </p:clrMapOvr>
+</p:notes>
+</file>
+
+<file path=ppt/notesSlides/notesSlide6.xml><?xml version="1.0" encoding="utf-8"?>
+<p:notes xmlns:a="http://schemas.openxmlformats.org/drawingml/2006/main" xmlns:r="http://schemas.openxmlformats.org/officeDocument/2006/relationships" xmlns:p="http://schemas.openxmlformats.org/presentationml/2006/main">
+  <p:cSld>
+    <p:spTree>
+      <p:nvGrpSpPr>
+        <p:cNvPr id="1" name=""/>
+        <p:cNvGrpSpPr/>
+        <p:nvPr/>
+      </p:nvGrpSpPr>
+      <p:grpSpPr>
+        <a:xfrm>
+          <a:off x="0" y="0"/>
+          <a:ext cx="0" cy="0"/>
+          <a:chOff x="0" y="0"/>
+          <a:chExt cx="0" cy="0"/>
+        </a:xfrm>
+      </p:grpSpPr>
+      <p:sp>
+        <p:nvSpPr>
+          <p:cNvPr id="2" name="Slide Image Placeholder 1"/>
+          <p:cNvSpPr>
+            <a:spLocks noGrp="1" noRot="1" noChangeAspect="1"/>
+          </p:cNvSpPr>
+          <p:nvPr>
+            <p:ph type="sldImg"/>
+          </p:nvPr>
+        </p:nvSpPr>
+        <p:spPr/>
+      </p:sp>
+      <p:sp>
+        <p:nvSpPr>
+          <p:cNvPr id="3" name="Notes Placeholder 2"/>
+          <p:cNvSpPr>
+            <a:spLocks noGrp="1"/>
+          </p:cNvSpPr>
+          <p:nvPr>
+            <p:ph type="body" idx="1"/>
+          </p:nvPr>
+        </p:nvSpPr>
+        <p:spPr/>
+        <p:txBody>
+          <a:bodyPr/>
+          <a:lstStyle/>
+          <a:p>
+            <a:endParaRPr lang="en-US" dirty="0"/>
+          </a:p>
+        </p:txBody>
+      </p:sp>
+      <p:sp>
+        <p:nvSpPr>
+          <p:cNvPr id="4" name="Slide Number Placeholder 3"/>
+          <p:cNvSpPr>
+            <a:spLocks noGrp="1"/>
+          </p:cNvSpPr>
+          <p:nvPr>
+            <p:ph type="sldNum" sz="quarter" idx="5"/>
+          </p:nvPr>
+        </p:nvSpPr>
+        <p:spPr/>
+        <p:txBody>
+          <a:bodyPr/>
+          <a:lstStyle/>
+          <a:p>
+            <a:fld id="{621E9EE9-3A4D-DB43-8F8A-DEE4BB12CBD7}" type="slidenum">
+              <a:rPr lang="en-US" smtClean="0"/>
+              <a:t>29</a:t>
+            </a:fld>
+            <a:endParaRPr lang="en-US"/>
+          </a:p>
+        </p:txBody>
+      </p:sp>
+    </p:spTree>
+    <p:extLst>
+      <p:ext uri="{BB962C8B-B14F-4D97-AF65-F5344CB8AC3E}">
+        <p14:creationId xmlns:p14="http://schemas.microsoft.com/office/powerpoint/2010/main" val="3611468357"/>
       </p:ext>
     </p:extLst>
   </p:cSld>
@@ -5266,7 +5439,7 @@
             <a:fld id="{48A87A34-81AB-432B-8DAE-1953F412C126}" type="datetimeFigureOut">
               <a:rPr lang="en-US" smtClean="0"/>
               <a:pPr/>
-              <a:t>4/15/24</a:t>
+              <a:t>4/17/24</a:t>
             </a:fld>
             <a:endParaRPr lang="en-US" dirty="0"/>
           </a:p>
@@ -6796,7 +6969,7 @@
           <a:p>
             <a:fld id="{48A87A34-81AB-432B-8DAE-1953F412C126}" type="datetimeFigureOut">
               <a:rPr lang="en-US" smtClean="0"/>
-              <a:t>4/15/24</a:t>
+              <a:t>4/17/24</a:t>
             </a:fld>
             <a:endParaRPr lang="en-US" dirty="0"/>
           </a:p>
@@ -8332,7 +8505,7 @@
           <a:p>
             <a:fld id="{48A87A34-81AB-432B-8DAE-1953F412C126}" type="datetimeFigureOut">
               <a:rPr lang="en-US" smtClean="0"/>
-              <a:t>4/15/24</a:t>
+              <a:t>4/17/24</a:t>
             </a:fld>
             <a:endParaRPr lang="en-US" dirty="0"/>
           </a:p>
@@ -9787,7 +9960,7 @@
           <a:p>
             <a:fld id="{48A87A34-81AB-432B-8DAE-1953F412C126}" type="datetimeFigureOut">
               <a:rPr lang="en-US" smtClean="0"/>
-              <a:t>4/15/24</a:t>
+              <a:t>4/17/24</a:t>
             </a:fld>
             <a:endParaRPr lang="en-US" dirty="0"/>
           </a:p>
@@ -11240,7 +11413,7 @@
           <a:p>
             <a:fld id="{48A87A34-81AB-432B-8DAE-1953F412C126}" type="datetimeFigureOut">
               <a:rPr lang="en-US" smtClean="0"/>
-              <a:t>4/15/24</a:t>
+              <a:t>4/17/24</a:t>
             </a:fld>
             <a:endParaRPr lang="en-US" dirty="0"/>
           </a:p>
@@ -12695,7 +12868,7 @@
           <a:p>
             <a:fld id="{48A87A34-81AB-432B-8DAE-1953F412C126}" type="datetimeFigureOut">
               <a:rPr lang="en-US" smtClean="0"/>
-              <a:t>4/15/24</a:t>
+              <a:t>4/17/24</a:t>
             </a:fld>
             <a:endParaRPr lang="en-US" dirty="0"/>
           </a:p>
@@ -17008,7 +17181,7 @@
           <a:p>
             <a:fld id="{48A87A34-81AB-432B-8DAE-1953F412C126}" type="datetimeFigureOut">
               <a:rPr lang="en-US" smtClean="0"/>
-              <a:t>4/15/24</a:t>
+              <a:t>4/17/24</a:t>
             </a:fld>
             <a:endParaRPr lang="en-US" dirty="0"/>
           </a:p>
@@ -18529,7 +18702,7 @@
           <a:p>
             <a:fld id="{48A87A34-81AB-432B-8DAE-1953F412C126}" type="datetimeFigureOut">
               <a:rPr lang="en-US" smtClean="0"/>
-              <a:t>4/15/24</a:t>
+              <a:t>4/17/24</a:t>
             </a:fld>
             <a:endParaRPr lang="en-US" dirty="0"/>
           </a:p>
@@ -20194,7 +20367,7 @@
           <a:p>
             <a:fld id="{48A87A34-81AB-432B-8DAE-1953F412C126}" type="datetimeFigureOut">
               <a:rPr lang="en-US" smtClean="0"/>
-              <a:t>4/15/24</a:t>
+              <a:t>4/17/24</a:t>
             </a:fld>
             <a:endParaRPr lang="en-US" dirty="0"/>
           </a:p>
@@ -21592,7 +21765,7 @@
           <a:p>
             <a:fld id="{48A87A34-81AB-432B-8DAE-1953F412C126}" type="datetimeFigureOut">
               <a:rPr lang="en-US" smtClean="0"/>
-              <a:t>4/15/24</a:t>
+              <a:t>4/17/24</a:t>
             </a:fld>
             <a:endParaRPr lang="en-US" dirty="0"/>
           </a:p>
@@ -21692,7 +21865,7 @@
           <a:p>
             <a:fld id="{48A87A34-81AB-432B-8DAE-1953F412C126}" type="datetimeFigureOut">
               <a:rPr lang="en-US" smtClean="0"/>
-              <a:t>4/15/24</a:t>
+              <a:t>4/17/24</a:t>
             </a:fld>
             <a:endParaRPr lang="en-US" dirty="0"/>
           </a:p>
@@ -21916,7 +22089,7 @@
             <a:fld id="{48A87A34-81AB-432B-8DAE-1953F412C126}" type="datetimeFigureOut">
               <a:rPr lang="en-US" smtClean="0"/>
               <a:pPr/>
-              <a:t>4/15/24</a:t>
+              <a:t>4/17/24</a:t>
             </a:fld>
             <a:endParaRPr lang="en-US" dirty="0"/>
           </a:p>
@@ -22429,7 +22602,7 @@
             </a:r>
             <a:r>
               <a:rPr lang="en-US" dirty="0"/>
-              <a:t>, Rob, Andrea, Will</a:t>
+              <a:t>, Rob, Andrea</a:t>
             </a:r>
           </a:p>
         </p:txBody>
@@ -23788,7 +23961,7 @@
           <p:nvPr/>
         </p:nvPicPr>
         <p:blipFill>
-          <a:blip r:embed="rId2"/>
+          <a:blip r:embed="rId3"/>
           <a:stretch>
             <a:fillRect/>
           </a:stretch>
@@ -23818,7 +23991,7 @@
           <p:nvPr/>
         </p:nvPicPr>
         <p:blipFill>
-          <a:blip r:embed="rId3"/>
+          <a:blip r:embed="rId4"/>
           <a:stretch>
             <a:fillRect/>
           </a:stretch>
@@ -25955,12 +26128,228 @@
               <a:t>The outcomes of our analysis did not always align with our predictions</a:t>
             </a:r>
           </a:p>
+          <a:p>
+            <a:pPr marL="0" indent="0">
+              <a:buNone/>
+            </a:pPr>
+            <a:endParaRPr lang="en-US" dirty="0"/>
+          </a:p>
         </p:txBody>
       </p:sp>
     </p:spTree>
     <p:extLst>
       <p:ext uri="{BB962C8B-B14F-4D97-AF65-F5344CB8AC3E}">
         <p14:creationId xmlns:p14="http://schemas.microsoft.com/office/powerpoint/2010/main" val="3737836695"/>
+      </p:ext>
+    </p:extLst>
+  </p:cSld>
+  <p:clrMapOvr>
+    <a:masterClrMapping/>
+  </p:clrMapOvr>
+</p:sld>
+</file>
+
+<file path=ppt/slides/slide28.xml><?xml version="1.0" encoding="utf-8"?>
+<p:sld xmlns:a="http://schemas.openxmlformats.org/drawingml/2006/main" xmlns:r="http://schemas.openxmlformats.org/officeDocument/2006/relationships" xmlns:p="http://schemas.openxmlformats.org/presentationml/2006/main">
+  <p:cSld>
+    <p:spTree>
+      <p:nvGrpSpPr>
+        <p:cNvPr id="1" name=""/>
+        <p:cNvGrpSpPr/>
+        <p:nvPr/>
+      </p:nvGrpSpPr>
+      <p:grpSpPr>
+        <a:xfrm>
+          <a:off x="0" y="0"/>
+          <a:ext cx="0" cy="0"/>
+          <a:chOff x="0" y="0"/>
+          <a:chExt cx="0" cy="0"/>
+        </a:xfrm>
+      </p:grpSpPr>
+      <p:sp>
+        <p:nvSpPr>
+          <p:cNvPr id="2" name="Title 1">
+            <a:extLst>
+              <a:ext uri="{FF2B5EF4-FFF2-40B4-BE49-F238E27FC236}">
+                <a16:creationId xmlns:a16="http://schemas.microsoft.com/office/drawing/2014/main" id="{6726B860-4B6D-9B55-E81C-869AB866944A}"/>
+              </a:ext>
+            </a:extLst>
+          </p:cNvPr>
+          <p:cNvSpPr>
+            <a:spLocks noGrp="1"/>
+          </p:cNvSpPr>
+          <p:nvPr>
+            <p:ph type="title"/>
+          </p:nvPr>
+        </p:nvSpPr>
+        <p:spPr/>
+        <p:txBody>
+          <a:bodyPr/>
+          <a:lstStyle/>
+          <a:p>
+            <a:r>
+              <a:rPr lang="en-US" dirty="0"/>
+              <a:t>Going forward…</a:t>
+            </a:r>
+          </a:p>
+        </p:txBody>
+      </p:sp>
+      <p:sp>
+        <p:nvSpPr>
+          <p:cNvPr id="3" name="Content Placeholder 2">
+            <a:extLst>
+              <a:ext uri="{FF2B5EF4-FFF2-40B4-BE49-F238E27FC236}">
+                <a16:creationId xmlns:a16="http://schemas.microsoft.com/office/drawing/2014/main" id="{8425F790-30ED-277D-83E1-7F043A762A25}"/>
+              </a:ext>
+            </a:extLst>
+          </p:cNvPr>
+          <p:cNvSpPr>
+            <a:spLocks noGrp="1"/>
+          </p:cNvSpPr>
+          <p:nvPr>
+            <p:ph idx="1"/>
+          </p:nvPr>
+        </p:nvSpPr>
+        <p:spPr/>
+        <p:txBody>
+          <a:bodyPr/>
+          <a:lstStyle/>
+          <a:p>
+            <a:pPr marL="0" indent="0">
+              <a:buNone/>
+            </a:pPr>
+            <a:r>
+              <a:rPr lang="en-US" dirty="0"/>
+              <a:t>We would like to…</a:t>
+            </a:r>
+          </a:p>
+          <a:p>
+            <a:r>
+              <a:rPr lang="en-US" dirty="0"/>
+              <a:t>Analyze data for all provinces</a:t>
+            </a:r>
+          </a:p>
+          <a:p>
+            <a:r>
+              <a:rPr lang="en-US" dirty="0"/>
+              <a:t>Do more comparison on data before and after COVID-19</a:t>
+            </a:r>
+          </a:p>
+          <a:p>
+            <a:r>
+              <a:rPr lang="en-US" dirty="0"/>
+              <a:t>Account inflation in our analysis of household spending</a:t>
+            </a:r>
+          </a:p>
+          <a:p>
+            <a:r>
+              <a:rPr lang="en-US" dirty="0"/>
+              <a:t>Explore related variables to some of </a:t>
+            </a:r>
+            <a:r>
+              <a:rPr lang="en-US"/>
+              <a:t>our analysis</a:t>
+            </a:r>
+            <a:endParaRPr lang="en-US" dirty="0"/>
+          </a:p>
+          <a:p>
+            <a:endParaRPr lang="en-US" dirty="0"/>
+          </a:p>
+          <a:p>
+            <a:pPr marL="0" indent="0">
+              <a:buNone/>
+            </a:pPr>
+            <a:endParaRPr lang="en-US" dirty="0"/>
+          </a:p>
+        </p:txBody>
+      </p:sp>
+    </p:spTree>
+    <p:extLst>
+      <p:ext uri="{BB962C8B-B14F-4D97-AF65-F5344CB8AC3E}">
+        <p14:creationId xmlns:p14="http://schemas.microsoft.com/office/powerpoint/2010/main" val="576568139"/>
+      </p:ext>
+    </p:extLst>
+  </p:cSld>
+  <p:clrMapOvr>
+    <a:masterClrMapping/>
+  </p:clrMapOvr>
+</p:sld>
+</file>
+
+<file path=ppt/slides/slide29.xml><?xml version="1.0" encoding="utf-8"?>
+<p:sld xmlns:a="http://schemas.openxmlformats.org/drawingml/2006/main" xmlns:r="http://schemas.openxmlformats.org/officeDocument/2006/relationships" xmlns:p="http://schemas.openxmlformats.org/presentationml/2006/main">
+  <p:cSld>
+    <p:spTree>
+      <p:nvGrpSpPr>
+        <p:cNvPr id="1" name=""/>
+        <p:cNvGrpSpPr/>
+        <p:nvPr/>
+      </p:nvGrpSpPr>
+      <p:grpSpPr>
+        <a:xfrm>
+          <a:off x="0" y="0"/>
+          <a:ext cx="0" cy="0"/>
+          <a:chOff x="0" y="0"/>
+          <a:chExt cx="0" cy="0"/>
+        </a:xfrm>
+      </p:grpSpPr>
+      <p:sp>
+        <p:nvSpPr>
+          <p:cNvPr id="4" name="Title 3">
+            <a:extLst>
+              <a:ext uri="{FF2B5EF4-FFF2-40B4-BE49-F238E27FC236}">
+                <a16:creationId xmlns:a16="http://schemas.microsoft.com/office/drawing/2014/main" id="{17F0049B-55B2-0E51-9433-DA8EC8C4C7A5}"/>
+              </a:ext>
+            </a:extLst>
+          </p:cNvPr>
+          <p:cNvSpPr>
+            <a:spLocks noGrp="1"/>
+          </p:cNvSpPr>
+          <p:nvPr>
+            <p:ph type="ctrTitle"/>
+          </p:nvPr>
+        </p:nvSpPr>
+        <p:spPr/>
+        <p:txBody>
+          <a:bodyPr/>
+          <a:lstStyle/>
+          <a:p>
+            <a:r>
+              <a:rPr lang="en-US" dirty="0"/>
+              <a:t>Thank you</a:t>
+            </a:r>
+          </a:p>
+        </p:txBody>
+      </p:sp>
+      <p:sp>
+        <p:nvSpPr>
+          <p:cNvPr id="5" name="Subtitle 4">
+            <a:extLst>
+              <a:ext uri="{FF2B5EF4-FFF2-40B4-BE49-F238E27FC236}">
+                <a16:creationId xmlns:a16="http://schemas.microsoft.com/office/drawing/2014/main" id="{8D8EE7D3-B056-17C1-DAD5-55F9303AA7CC}"/>
+              </a:ext>
+            </a:extLst>
+          </p:cNvPr>
+          <p:cNvSpPr>
+            <a:spLocks noGrp="1"/>
+          </p:cNvSpPr>
+          <p:nvPr>
+            <p:ph type="subTitle" idx="1"/>
+          </p:nvPr>
+        </p:nvSpPr>
+        <p:spPr/>
+        <p:txBody>
+          <a:bodyPr/>
+          <a:lstStyle/>
+          <a:p>
+            <a:endParaRPr lang="en-US"/>
+          </a:p>
+        </p:txBody>
+      </p:sp>
+    </p:spTree>
+    <p:extLst>
+      <p:ext uri="{BB962C8B-B14F-4D97-AF65-F5344CB8AC3E}">
+        <p14:creationId xmlns:p14="http://schemas.microsoft.com/office/powerpoint/2010/main" val="733181822"/>
       </p:ext>
     </p:extLst>
   </p:cSld>
